--- a/卒業論文/2015/石川大貴/中間審査/卒論論文＿中間審査ポスター.pptx
+++ b/卒業論文/2015/石川大貴/中間審査/卒論論文＿中間審査ポスター.pptx
@@ -297,7 +297,7 @@
           <a:p>
             <a:fld id="{FF7A58FD-EF7A-4BF1-AE4A-3BD5BDDA2978}" type="datetimeFigureOut">
               <a:rPr kumimoji="1" lang="ja-JP" altLang="en-US" smtClean="0"/>
-              <a:t>2016/10/6</a:t>
+              <a:t>2016/10/13</a:t>
             </a:fld>
             <a:endParaRPr kumimoji="1" lang="ja-JP" altLang="en-US"/>
           </a:p>
@@ -511,7 +511,7 @@
           <a:p>
             <a:fld id="{FF7A58FD-EF7A-4BF1-AE4A-3BD5BDDA2978}" type="datetimeFigureOut">
               <a:rPr kumimoji="1" lang="ja-JP" altLang="en-US" smtClean="0"/>
-              <a:t>2016/10/6</a:t>
+              <a:t>2016/10/13</a:t>
             </a:fld>
             <a:endParaRPr kumimoji="1" lang="ja-JP" altLang="en-US"/>
           </a:p>
@@ -735,7 +735,7 @@
           <a:p>
             <a:fld id="{FF7A58FD-EF7A-4BF1-AE4A-3BD5BDDA2978}" type="datetimeFigureOut">
               <a:rPr kumimoji="1" lang="ja-JP" altLang="en-US" smtClean="0"/>
-              <a:t>2016/10/6</a:t>
+              <a:t>2016/10/13</a:t>
             </a:fld>
             <a:endParaRPr kumimoji="1" lang="ja-JP" altLang="en-US"/>
           </a:p>
@@ -949,7 +949,7 @@
           <a:p>
             <a:fld id="{FF7A58FD-EF7A-4BF1-AE4A-3BD5BDDA2978}" type="datetimeFigureOut">
               <a:rPr kumimoji="1" lang="ja-JP" altLang="en-US" smtClean="0"/>
-              <a:t>2016/10/6</a:t>
+              <a:t>2016/10/13</a:t>
             </a:fld>
             <a:endParaRPr kumimoji="1" lang="ja-JP" altLang="en-US"/>
           </a:p>
@@ -1207,7 +1207,7 @@
           <a:p>
             <a:fld id="{FF7A58FD-EF7A-4BF1-AE4A-3BD5BDDA2978}" type="datetimeFigureOut">
               <a:rPr kumimoji="1" lang="ja-JP" altLang="en-US" smtClean="0"/>
-              <a:t>2016/10/6</a:t>
+              <a:t>2016/10/13</a:t>
             </a:fld>
             <a:endParaRPr kumimoji="1" lang="ja-JP" altLang="en-US"/>
           </a:p>
@@ -1571,7 +1571,7 @@
           <a:p>
             <a:fld id="{FF7A58FD-EF7A-4BF1-AE4A-3BD5BDDA2978}" type="datetimeFigureOut">
               <a:rPr kumimoji="1" lang="ja-JP" altLang="en-US" smtClean="0"/>
-              <a:t>2016/10/6</a:t>
+              <a:t>2016/10/13</a:t>
             </a:fld>
             <a:endParaRPr kumimoji="1" lang="ja-JP" altLang="en-US"/>
           </a:p>
@@ -2069,7 +2069,7 @@
           <a:p>
             <a:fld id="{FF7A58FD-EF7A-4BF1-AE4A-3BD5BDDA2978}" type="datetimeFigureOut">
               <a:rPr kumimoji="1" lang="ja-JP" altLang="en-US" smtClean="0"/>
-              <a:t>2016/10/6</a:t>
+              <a:t>2016/10/13</a:t>
             </a:fld>
             <a:endParaRPr kumimoji="1" lang="ja-JP" altLang="en-US"/>
           </a:p>
@@ -2199,7 +2199,7 @@
           <a:p>
             <a:fld id="{FF7A58FD-EF7A-4BF1-AE4A-3BD5BDDA2978}" type="datetimeFigureOut">
               <a:rPr kumimoji="1" lang="ja-JP" altLang="en-US" smtClean="0"/>
-              <a:t>2016/10/6</a:t>
+              <a:t>2016/10/13</a:t>
             </a:fld>
             <a:endParaRPr kumimoji="1" lang="ja-JP" altLang="en-US"/>
           </a:p>
@@ -2306,7 +2306,7 @@
           <a:p>
             <a:fld id="{FF7A58FD-EF7A-4BF1-AE4A-3BD5BDDA2978}" type="datetimeFigureOut">
               <a:rPr kumimoji="1" lang="ja-JP" altLang="en-US" smtClean="0"/>
-              <a:t>2016/10/6</a:t>
+              <a:t>2016/10/13</a:t>
             </a:fld>
             <a:endParaRPr kumimoji="1" lang="ja-JP" altLang="en-US"/>
           </a:p>
@@ -2627,7 +2627,7 @@
           <a:p>
             <a:fld id="{FF7A58FD-EF7A-4BF1-AE4A-3BD5BDDA2978}" type="datetimeFigureOut">
               <a:rPr kumimoji="1" lang="ja-JP" altLang="en-US" smtClean="0"/>
-              <a:t>2016/10/6</a:t>
+              <a:t>2016/10/13</a:t>
             </a:fld>
             <a:endParaRPr kumimoji="1" lang="ja-JP" altLang="en-US"/>
           </a:p>
@@ -2898,7 +2898,7 @@
           <a:p>
             <a:fld id="{FF7A58FD-EF7A-4BF1-AE4A-3BD5BDDA2978}" type="datetimeFigureOut">
               <a:rPr kumimoji="1" lang="ja-JP" altLang="en-US" smtClean="0"/>
-              <a:t>2016/10/6</a:t>
+              <a:t>2016/10/13</a:t>
             </a:fld>
             <a:endParaRPr kumimoji="1" lang="ja-JP" altLang="en-US"/>
           </a:p>
@@ -3203,7 +3203,7 @@
           <a:p>
             <a:fld id="{FF7A58FD-EF7A-4BF1-AE4A-3BD5BDDA2978}" type="datetimeFigureOut">
               <a:rPr kumimoji="1" lang="ja-JP" altLang="en-US" smtClean="0"/>
-              <a:t>2016/10/6</a:t>
+              <a:t>2016/10/13</a:t>
             </a:fld>
             <a:endParaRPr kumimoji="1" lang="ja-JP" altLang="en-US"/>
           </a:p>
@@ -3794,7 +3794,6 @@
               <a:rPr lang="ja-JP" altLang="en-US" sz="7200" dirty="0"/>
               <a:t>提案と実装</a:t>
             </a:r>
-            <a:endParaRPr lang="ja-JP" altLang="en-US" sz="7200" dirty="0"/>
           </a:p>
         </p:txBody>
       </p:sp>
@@ -3880,1134 +3879,1310 @@
           </a:p>
         </p:txBody>
       </p:sp>
-      <p:grpSp>
-        <p:nvGrpSpPr>
-          <p:cNvPr id="19" name="グループ化 18"/>
-          <p:cNvGrpSpPr/>
+      <p:sp>
+        <p:nvSpPr>
+          <p:cNvPr id="28" name="正方形/長方形 27"/>
+          <p:cNvSpPr/>
           <p:nvPr/>
-        </p:nvGrpSpPr>
-        <p:grpSpPr>
+        </p:nvSpPr>
+        <p:spPr>
           <a:xfrm>
-            <a:off x="217898" y="25558742"/>
-            <a:ext cx="20897824" cy="4333059"/>
-            <a:chOff x="217898" y="25558742"/>
-            <a:chExt cx="20897824" cy="4333059"/>
+            <a:off x="332288" y="25389535"/>
+            <a:ext cx="20883347" cy="3514467"/>
           </a:xfrm>
-        </p:grpSpPr>
-        <p:sp>
-          <p:nvSpPr>
-            <p:cNvPr id="28" name="正方形/長方形 27"/>
-            <p:cNvSpPr/>
-            <p:nvPr/>
-          </p:nvSpPr>
-          <p:spPr>
-            <a:xfrm>
-              <a:off x="232371" y="26631901"/>
-              <a:ext cx="20883351" cy="3259900"/>
-            </a:xfrm>
-            <a:prstGeom prst="rect">
-              <a:avLst/>
-            </a:prstGeom>
-            <a:ln/>
-          </p:spPr>
-          <p:style>
-            <a:lnRef idx="2">
-              <a:schemeClr val="accent1"/>
-            </a:lnRef>
-            <a:fillRef idx="1">
-              <a:schemeClr val="lt1"/>
-            </a:fillRef>
-            <a:effectRef idx="0">
-              <a:schemeClr val="accent1"/>
-            </a:effectRef>
-            <a:fontRef idx="minor">
-              <a:schemeClr val="dk1"/>
-            </a:fontRef>
-          </p:style>
-          <p:txBody>
-            <a:bodyPr rtlCol="0" anchor="ctr"/>
-            <a:lstStyle/>
-            <a:p>
-              <a:pPr algn="ctr"/>
-              <a:endParaRPr lang="ja-JP" altLang="en-US">
+          <a:prstGeom prst="rect">
+            <a:avLst/>
+          </a:prstGeom>
+          <a:ln/>
+        </p:spPr>
+        <p:style>
+          <a:lnRef idx="2">
+            <a:schemeClr val="accent1"/>
+          </a:lnRef>
+          <a:fillRef idx="1">
+            <a:schemeClr val="lt1"/>
+          </a:fillRef>
+          <a:effectRef idx="0">
+            <a:schemeClr val="accent1"/>
+          </a:effectRef>
+          <a:fontRef idx="minor">
+            <a:schemeClr val="dk1"/>
+          </a:fontRef>
+        </p:style>
+        <p:txBody>
+          <a:bodyPr rtlCol="0" anchor="ctr"/>
+          <a:lstStyle/>
+          <a:p>
+            <a:pPr algn="ctr"/>
+            <a:endParaRPr lang="ja-JP" altLang="en-US">
+              <a:solidFill>
+                <a:prstClr val="black"/>
+              </a:solidFill>
+            </a:endParaRPr>
+          </a:p>
+        </p:txBody>
+      </p:sp>
+      <p:sp>
+        <p:nvSpPr>
+          <p:cNvPr id="50" name="円/楕円 49"/>
+          <p:cNvSpPr/>
+          <p:nvPr/>
+        </p:nvSpPr>
+        <p:spPr>
+          <a:xfrm>
+            <a:off x="217899" y="24468989"/>
+            <a:ext cx="4697002" cy="1841093"/>
+          </a:xfrm>
+          <a:prstGeom prst="ellipse">
+            <a:avLst/>
+          </a:prstGeom>
+          <a:ln/>
+        </p:spPr>
+        <p:style>
+          <a:lnRef idx="1">
+            <a:schemeClr val="accent3"/>
+          </a:lnRef>
+          <a:fillRef idx="2">
+            <a:schemeClr val="accent3"/>
+          </a:fillRef>
+          <a:effectRef idx="1">
+            <a:schemeClr val="accent3"/>
+          </a:effectRef>
+          <a:fontRef idx="minor">
+            <a:schemeClr val="dk1"/>
+          </a:fontRef>
+        </p:style>
+        <p:txBody>
+          <a:bodyPr rtlCol="0" anchor="ctr"/>
+          <a:lstStyle/>
+          <a:p>
+            <a:pPr algn="ctr"/>
+            <a:r>
+              <a:rPr lang="ja-JP" altLang="en-US" sz="4800" b="1" dirty="0" smtClean="0">
                 <a:solidFill>
                   <a:prstClr val="black"/>
                 </a:solidFill>
-              </a:endParaRPr>
-            </a:p>
-          </p:txBody>
-        </p:sp>
-        <p:sp>
-          <p:nvSpPr>
-            <p:cNvPr id="50" name="円/楕円 49"/>
-            <p:cNvSpPr/>
-            <p:nvPr/>
-          </p:nvSpPr>
-          <p:spPr>
-            <a:xfrm>
-              <a:off x="217898" y="25558742"/>
-              <a:ext cx="5173884" cy="2152251"/>
-            </a:xfrm>
-            <a:prstGeom prst="ellipse">
-              <a:avLst/>
-            </a:prstGeom>
-            <a:ln/>
-          </p:spPr>
-          <p:style>
-            <a:lnRef idx="1">
-              <a:schemeClr val="accent3"/>
-            </a:lnRef>
-            <a:fillRef idx="2">
-              <a:schemeClr val="accent3"/>
-            </a:fillRef>
-            <a:effectRef idx="1">
-              <a:schemeClr val="accent3"/>
-            </a:effectRef>
-            <a:fontRef idx="minor">
-              <a:schemeClr val="dk1"/>
-            </a:fontRef>
-          </p:style>
-          <p:txBody>
-            <a:bodyPr rtlCol="0" anchor="ctr"/>
-            <a:lstStyle/>
-            <a:p>
-              <a:pPr algn="ctr"/>
-              <a:r>
-                <a:rPr lang="ja-JP" altLang="en-US" sz="4800" b="1" dirty="0" smtClean="0">
-                  <a:solidFill>
-                    <a:prstClr val="black"/>
-                  </a:solidFill>
-                </a:rPr>
-                <a:t>今後の計画</a:t>
-              </a:r>
-              <a:endParaRPr lang="ja-JP" altLang="en-US" sz="4800" b="1" dirty="0">
+              </a:rPr>
+              <a:t>今後の計画</a:t>
+            </a:r>
+            <a:endParaRPr lang="ja-JP" altLang="en-US" sz="4800" b="1" dirty="0">
+              <a:solidFill>
+                <a:prstClr val="black"/>
+              </a:solidFill>
+            </a:endParaRPr>
+          </a:p>
+        </p:txBody>
+      </p:sp>
+      <p:sp>
+        <p:nvSpPr>
+          <p:cNvPr id="17" name="テキスト ボックス 16"/>
+          <p:cNvSpPr txBox="1"/>
+          <p:nvPr/>
+        </p:nvSpPr>
+        <p:spPr>
+          <a:xfrm>
+            <a:off x="479949" y="26435799"/>
+            <a:ext cx="17062681" cy="2123658"/>
+          </a:xfrm>
+          <a:prstGeom prst="rect">
+            <a:avLst/>
+          </a:prstGeom>
+          <a:noFill/>
+        </p:spPr>
+        <p:txBody>
+          <a:bodyPr wrap="square" rtlCol="0">
+            <a:spAutoFit/>
+          </a:bodyPr>
+          <a:lstStyle/>
+          <a:p>
+            <a:pPr marL="571500" indent="-571500">
+              <a:buFont typeface="Arial" panose="020B0604020202020204" pitchFamily="34" charset="0"/>
+              <a:buChar char="•"/>
+            </a:pPr>
+            <a:r>
+              <a:rPr lang="ja-JP" altLang="en-US" sz="4400" dirty="0" smtClean="0"/>
+              <a:t>調査の継続を行う．</a:t>
+            </a:r>
+            <a:endParaRPr lang="en-US" altLang="ja-JP" sz="4400" dirty="0" smtClean="0"/>
+          </a:p>
+          <a:p>
+            <a:pPr marL="571500" indent="-571500">
+              <a:buFont typeface="Arial" panose="020B0604020202020204" pitchFamily="34" charset="0"/>
+              <a:buChar char="•"/>
+            </a:pPr>
+            <a:r>
+              <a:rPr lang="en-US" altLang="ja-JP" sz="4400" dirty="0" smtClean="0"/>
+              <a:t>GitHub </a:t>
+            </a:r>
+            <a:r>
+              <a:rPr lang="ja-JP" altLang="en-US" sz="4400" dirty="0"/>
+              <a:t>を活用した</a:t>
+            </a:r>
+            <a:r>
+              <a:rPr lang="ja-JP" altLang="en-US" sz="4400" dirty="0" smtClean="0"/>
+              <a:t>マネジメントツールの作成 </a:t>
+            </a:r>
+            <a:r>
+              <a:rPr lang="ja-JP" altLang="en-US" sz="4400" dirty="0"/>
+              <a:t>する． </a:t>
+            </a:r>
+            <a:endParaRPr lang="en-US" altLang="ja-JP" sz="4400" dirty="0" smtClean="0"/>
+          </a:p>
+          <a:p>
+            <a:pPr marL="571500" indent="-571500">
+              <a:buFont typeface="Arial" panose="020B0604020202020204" pitchFamily="34" charset="0"/>
+              <a:buChar char="•"/>
+            </a:pPr>
+            <a:r>
+              <a:rPr lang="ja-JP" altLang="en-US" sz="4400" dirty="0"/>
+              <a:t>作成したツールがテスト工程で活用できるか実 際に使用し検討</a:t>
+            </a:r>
+            <a:r>
+              <a:rPr lang="ja-JP" altLang="en-US" sz="4400" dirty="0" smtClean="0"/>
+              <a:t>する．</a:t>
+            </a:r>
+            <a:endParaRPr lang="en-US" altLang="ja-JP" sz="4400" dirty="0" smtClean="0"/>
+          </a:p>
+        </p:txBody>
+      </p:sp>
+      <p:sp>
+        <p:nvSpPr>
+          <p:cNvPr id="10" name="正方形/長方形 9"/>
+          <p:cNvSpPr/>
+          <p:nvPr/>
+        </p:nvSpPr>
+        <p:spPr>
+          <a:xfrm>
+            <a:off x="332289" y="4365516"/>
+            <a:ext cx="20883350" cy="3845055"/>
+          </a:xfrm>
+          <a:prstGeom prst="rect">
+            <a:avLst/>
+          </a:prstGeom>
+          <a:ln/>
+        </p:spPr>
+        <p:style>
+          <a:lnRef idx="2">
+            <a:schemeClr val="accent1"/>
+          </a:lnRef>
+          <a:fillRef idx="1">
+            <a:schemeClr val="lt1"/>
+          </a:fillRef>
+          <a:effectRef idx="0">
+            <a:schemeClr val="accent1"/>
+          </a:effectRef>
+          <a:fontRef idx="minor">
+            <a:schemeClr val="dk1"/>
+          </a:fontRef>
+        </p:style>
+        <p:txBody>
+          <a:bodyPr rtlCol="0" anchor="ctr"/>
+          <a:lstStyle/>
+          <a:p>
+            <a:pPr algn="ctr"/>
+            <a:endParaRPr lang="ja-JP" altLang="en-US" sz="4800" dirty="0">
+              <a:solidFill>
+                <a:prstClr val="black"/>
+              </a:solidFill>
+            </a:endParaRPr>
+          </a:p>
+        </p:txBody>
+      </p:sp>
+      <p:sp>
+        <p:nvSpPr>
+          <p:cNvPr id="4" name="テキスト ボックス 3"/>
+          <p:cNvSpPr txBox="1"/>
+          <p:nvPr/>
+        </p:nvSpPr>
+        <p:spPr>
+          <a:xfrm>
+            <a:off x="485015" y="5409804"/>
+            <a:ext cx="20336598" cy="2800767"/>
+          </a:xfrm>
+          <a:prstGeom prst="rect">
+            <a:avLst/>
+          </a:prstGeom>
+          <a:noFill/>
+        </p:spPr>
+        <p:txBody>
+          <a:bodyPr wrap="square" rtlCol="0">
+            <a:spAutoFit/>
+          </a:bodyPr>
+          <a:lstStyle/>
+          <a:p>
+            <a:pPr marL="571500" indent="-571500">
+              <a:buFont typeface="Arial" panose="020B0604020202020204" pitchFamily="34" charset="0"/>
+              <a:buChar char="•"/>
+            </a:pPr>
+            <a:r>
+              <a:rPr lang="ja-JP" altLang="en-US" sz="4400" dirty="0" smtClean="0"/>
+              <a:t>ソフトウェア開発の現場では，アジャイル開発が普及してきている．</a:t>
+            </a:r>
+            <a:endParaRPr lang="en-US" altLang="ja-JP" sz="4400" dirty="0" smtClean="0"/>
+          </a:p>
+          <a:p>
+            <a:pPr marL="571500" indent="-571500">
+              <a:buFont typeface="Arial" panose="020B0604020202020204" pitchFamily="34" charset="0"/>
+              <a:buChar char="•"/>
+            </a:pPr>
+            <a:r>
+              <a:rPr lang="ja-JP" altLang="en-US" sz="4400" dirty="0" smtClean="0"/>
+              <a:t>アジャイル開発では，テスト駆動開発がよく採用される．</a:t>
+            </a:r>
+            <a:endParaRPr lang="en-US" altLang="ja-JP" sz="4400" dirty="0" smtClean="0"/>
+          </a:p>
+          <a:p>
+            <a:pPr marL="571500" indent="-571500">
+              <a:buFont typeface="Arial" panose="020B0604020202020204" pitchFamily="34" charset="0"/>
+              <a:buChar char="•"/>
+            </a:pPr>
+            <a:r>
+              <a:rPr lang="ja-JP" altLang="en-US" sz="4400" dirty="0" smtClean="0"/>
+              <a:t>テストでカバレッジ</a:t>
+            </a:r>
+            <a:r>
+              <a:rPr lang="ja-JP" altLang="en-US" sz="4400" dirty="0"/>
+              <a:t>を測 定・分析すること</a:t>
+            </a:r>
+            <a:r>
+              <a:rPr lang="ja-JP" altLang="en-US" sz="4400" dirty="0" smtClean="0"/>
+              <a:t>がソフトウェアの</a:t>
+            </a:r>
+            <a:r>
+              <a:rPr lang="ja-JP" altLang="en-US" sz="4400" dirty="0" smtClean="0"/>
+              <a:t>品質向上</a:t>
+            </a:r>
+            <a:r>
+              <a:rPr lang="ja-JP" altLang="en-US" sz="4400" dirty="0"/>
+              <a:t>に</a:t>
+            </a:r>
+            <a:r>
+              <a:rPr lang="ja-JP" altLang="en-US" sz="4400" dirty="0" smtClean="0"/>
+              <a:t>大きく関わる．</a:t>
+            </a:r>
+            <a:endParaRPr lang="en-US" altLang="ja-JP" sz="4400" dirty="0"/>
+          </a:p>
+          <a:p>
+            <a:pPr marL="571500" indent="-571500">
+              <a:buFont typeface="Arial" panose="020B0604020202020204" pitchFamily="34" charset="0"/>
+              <a:buChar char="•"/>
+            </a:pPr>
+            <a:r>
+              <a:rPr lang="ja-JP" altLang="en-US" sz="4400" dirty="0" smtClean="0"/>
+              <a:t>ソフトウェア</a:t>
+            </a:r>
+            <a:r>
+              <a:rPr lang="ja-JP" altLang="en-US" sz="4400" dirty="0" smtClean="0"/>
+              <a:t>開発</a:t>
+            </a:r>
+            <a:r>
+              <a:rPr lang="ja-JP" altLang="en-US" sz="4400" dirty="0"/>
+              <a:t>の</a:t>
+            </a:r>
+            <a:r>
+              <a:rPr lang="ja-JP" altLang="en-US" sz="4400" dirty="0" smtClean="0"/>
+              <a:t>調査に，</a:t>
+            </a:r>
+            <a:r>
+              <a:rPr lang="en-US" altLang="ja-JP" sz="4400" dirty="0" smtClean="0"/>
+              <a:t>GitHub</a:t>
+            </a:r>
+            <a:r>
+              <a:rPr lang="ja-JP" altLang="en-US" sz="4400" dirty="0" smtClean="0"/>
+              <a:t>がプロジェクト数や機能数から有用である．</a:t>
+            </a:r>
+            <a:endParaRPr lang="en-US" altLang="ja-JP" sz="4400" dirty="0" smtClean="0"/>
+          </a:p>
+        </p:txBody>
+      </p:sp>
+      <p:sp>
+        <p:nvSpPr>
+          <p:cNvPr id="25" name="正方形/長方形 24"/>
+          <p:cNvSpPr/>
+          <p:nvPr/>
+        </p:nvSpPr>
+        <p:spPr>
+          <a:xfrm>
+            <a:off x="332288" y="9303016"/>
+            <a:ext cx="20883351" cy="4021780"/>
+          </a:xfrm>
+          <a:prstGeom prst="rect">
+            <a:avLst/>
+          </a:prstGeom>
+          <a:ln/>
+        </p:spPr>
+        <p:style>
+          <a:lnRef idx="2">
+            <a:schemeClr val="accent1"/>
+          </a:lnRef>
+          <a:fillRef idx="1">
+            <a:schemeClr val="lt1"/>
+          </a:fillRef>
+          <a:effectRef idx="0">
+            <a:schemeClr val="accent1"/>
+          </a:effectRef>
+          <a:fontRef idx="minor">
+            <a:schemeClr val="dk1"/>
+          </a:fontRef>
+        </p:style>
+        <p:txBody>
+          <a:bodyPr rtlCol="0" anchor="ctr"/>
+          <a:lstStyle/>
+          <a:p>
+            <a:pPr algn="ctr"/>
+            <a:endParaRPr lang="ja-JP" altLang="en-US" sz="4800" dirty="0">
+              <a:solidFill>
+                <a:prstClr val="black"/>
+              </a:solidFill>
+            </a:endParaRPr>
+          </a:p>
+        </p:txBody>
+      </p:sp>
+      <p:sp>
+        <p:nvSpPr>
+          <p:cNvPr id="12" name="テキスト ボックス 11"/>
+          <p:cNvSpPr txBox="1"/>
+          <p:nvPr/>
+        </p:nvSpPr>
+        <p:spPr>
+          <a:xfrm>
+            <a:off x="479949" y="10300404"/>
+            <a:ext cx="11059438" cy="2800767"/>
+          </a:xfrm>
+          <a:prstGeom prst="rect">
+            <a:avLst/>
+          </a:prstGeom>
+          <a:noFill/>
+        </p:spPr>
+        <p:txBody>
+          <a:bodyPr wrap="square" rtlCol="0">
+            <a:spAutoFit/>
+          </a:bodyPr>
+          <a:lstStyle/>
+          <a:p>
+            <a:pPr marL="571500" indent="-571500">
+              <a:buFont typeface="Arial" panose="020B0604020202020204" pitchFamily="34" charset="0"/>
+              <a:buChar char="•"/>
+            </a:pPr>
+            <a:r>
+              <a:rPr lang="ja-JP" altLang="en-US" sz="4400" dirty="0" smtClean="0"/>
+              <a:t>ソフトウェア開発のテスト工程を</a:t>
+            </a:r>
+            <a:r>
+              <a:rPr lang="en-US" altLang="ja-JP" sz="4400" dirty="0" smtClean="0"/>
+              <a:t>GitHub</a:t>
+            </a:r>
+            <a:r>
+              <a:rPr lang="ja-JP" altLang="en-US" sz="4400" dirty="0" smtClean="0"/>
+              <a:t>上の</a:t>
+            </a:r>
+            <a:r>
+              <a:rPr lang="en-US" altLang="ja-JP" sz="4400" dirty="0" smtClean="0"/>
+              <a:t/>
+            </a:r>
+            <a:br>
+              <a:rPr lang="en-US" altLang="ja-JP" sz="4400" dirty="0" smtClean="0"/>
+            </a:br>
+            <a:r>
+              <a:rPr lang="ja-JP" altLang="en-US" sz="4400" dirty="0" smtClean="0"/>
+              <a:t>プロジェクトで調査する．</a:t>
+            </a:r>
+            <a:endParaRPr lang="en-US" altLang="ja-JP" sz="4400" dirty="0" smtClean="0"/>
+          </a:p>
+          <a:p>
+            <a:pPr marL="571500" indent="-571500">
+              <a:buFont typeface="Arial" panose="020B0604020202020204" pitchFamily="34" charset="0"/>
+              <a:buChar char="•"/>
+            </a:pPr>
+            <a:r>
+              <a:rPr lang="ja-JP" altLang="en-US" sz="4400" dirty="0" smtClean="0"/>
+              <a:t>テスト工程で活用できる</a:t>
+            </a:r>
+            <a:r>
+              <a:rPr lang="ja-JP" altLang="en-US" sz="4400" dirty="0"/>
+              <a:t>ようなツールや</a:t>
+            </a:r>
+            <a:r>
+              <a:rPr lang="ja-JP" altLang="en-US" sz="4400" dirty="0" smtClean="0"/>
+              <a:t>技法</a:t>
+            </a:r>
+            <a:r>
+              <a:rPr lang="en-US" altLang="ja-JP" sz="4400" dirty="0" smtClean="0"/>
+              <a:t/>
+            </a:r>
+            <a:br>
+              <a:rPr lang="en-US" altLang="ja-JP" sz="4400" dirty="0" smtClean="0"/>
+            </a:br>
+            <a:r>
+              <a:rPr lang="ja-JP" altLang="en-US" sz="4400" dirty="0" smtClean="0"/>
+              <a:t>の提案する．</a:t>
+            </a:r>
+            <a:endParaRPr lang="en-US" altLang="ja-JP" sz="4400" dirty="0" smtClean="0"/>
+          </a:p>
+        </p:txBody>
+      </p:sp>
+      <p:sp>
+        <p:nvSpPr>
+          <p:cNvPr id="18" name="下矢印 17"/>
+          <p:cNvSpPr/>
+          <p:nvPr/>
+        </p:nvSpPr>
+        <p:spPr>
+          <a:xfrm rot="16200000">
+            <a:off x="11186666" y="10862981"/>
+            <a:ext cx="2602953" cy="1268646"/>
+          </a:xfrm>
+          <a:prstGeom prst="downArrow">
+            <a:avLst/>
+          </a:prstGeom>
+        </p:spPr>
+        <p:style>
+          <a:lnRef idx="1">
+            <a:schemeClr val="accent1"/>
+          </a:lnRef>
+          <a:fillRef idx="3">
+            <a:schemeClr val="accent1"/>
+          </a:fillRef>
+          <a:effectRef idx="2">
+            <a:schemeClr val="accent1"/>
+          </a:effectRef>
+          <a:fontRef idx="minor">
+            <a:schemeClr val="lt1"/>
+          </a:fontRef>
+        </p:style>
+        <p:txBody>
+          <a:bodyPr rtlCol="0" anchor="ctr"/>
+          <a:lstStyle/>
+          <a:p>
+            <a:pPr algn="ctr"/>
+            <a:endParaRPr kumimoji="1" lang="ja-JP" altLang="en-US"/>
+          </a:p>
+        </p:txBody>
+      </p:sp>
+      <p:sp>
+        <p:nvSpPr>
+          <p:cNvPr id="20" name="テキスト ボックス 19"/>
+          <p:cNvSpPr txBox="1"/>
+          <p:nvPr/>
+        </p:nvSpPr>
+        <p:spPr>
+          <a:xfrm>
+            <a:off x="14410925" y="11081805"/>
+            <a:ext cx="5516254" cy="830997"/>
+          </a:xfrm>
+          <a:prstGeom prst="rect">
+            <a:avLst/>
+          </a:prstGeom>
+          <a:noFill/>
+        </p:spPr>
+        <p:txBody>
+          <a:bodyPr wrap="square" rtlCol="0">
+            <a:spAutoFit/>
+          </a:bodyPr>
+          <a:lstStyle/>
+          <a:p>
+            <a:r>
+              <a:rPr lang="ja-JP" altLang="en-US" sz="4800" b="1" dirty="0" smtClean="0"/>
+              <a:t>テスト工程の効率</a:t>
+            </a:r>
+            <a:r>
+              <a:rPr lang="en-US" altLang="ja-JP" sz="4800" b="1" dirty="0" smtClean="0"/>
+              <a:t>UP</a:t>
+            </a:r>
+            <a:endParaRPr kumimoji="1" lang="ja-JP" altLang="en-US" sz="4800" b="1" dirty="0"/>
+          </a:p>
+        </p:txBody>
+      </p:sp>
+      <p:sp>
+        <p:nvSpPr>
+          <p:cNvPr id="26" name="正方形/長方形 25"/>
+          <p:cNvSpPr/>
+          <p:nvPr/>
+        </p:nvSpPr>
+        <p:spPr>
+          <a:xfrm>
+            <a:off x="332289" y="14370007"/>
+            <a:ext cx="13260545" cy="3381718"/>
+          </a:xfrm>
+          <a:prstGeom prst="rect">
+            <a:avLst/>
+          </a:prstGeom>
+          <a:ln/>
+        </p:spPr>
+        <p:style>
+          <a:lnRef idx="2">
+            <a:schemeClr val="accent1"/>
+          </a:lnRef>
+          <a:fillRef idx="1">
+            <a:schemeClr val="lt1"/>
+          </a:fillRef>
+          <a:effectRef idx="0">
+            <a:schemeClr val="accent1"/>
+          </a:effectRef>
+          <a:fontRef idx="minor">
+            <a:schemeClr val="dk1"/>
+          </a:fontRef>
+        </p:style>
+        <p:txBody>
+          <a:bodyPr rtlCol="0" anchor="ctr"/>
+          <a:lstStyle/>
+          <a:p>
+            <a:pPr algn="ctr"/>
+            <a:endParaRPr lang="ja-JP" altLang="en-US" sz="4800" dirty="0">
+              <a:solidFill>
+                <a:prstClr val="black"/>
+              </a:solidFill>
+            </a:endParaRPr>
+          </a:p>
+        </p:txBody>
+      </p:sp>
+      <p:sp>
+        <p:nvSpPr>
+          <p:cNvPr id="16" name="テキスト ボックス 15"/>
+          <p:cNvSpPr txBox="1"/>
+          <p:nvPr/>
+        </p:nvSpPr>
+        <p:spPr>
+          <a:xfrm>
+            <a:off x="479949" y="15447166"/>
+            <a:ext cx="13112885" cy="2123658"/>
+          </a:xfrm>
+          <a:prstGeom prst="rect">
+            <a:avLst/>
+          </a:prstGeom>
+          <a:noFill/>
+        </p:spPr>
+        <p:txBody>
+          <a:bodyPr wrap="square" rtlCol="0">
+            <a:spAutoFit/>
+          </a:bodyPr>
+          <a:lstStyle/>
+          <a:p>
+            <a:pPr marL="571500" indent="-571500">
+              <a:buFont typeface="Arial" panose="020B0604020202020204" pitchFamily="34" charset="0"/>
+              <a:buChar char="•"/>
+            </a:pPr>
+            <a:r>
+              <a:rPr lang="en-US" altLang="ja-JP" sz="4400" dirty="0" smtClean="0"/>
+              <a:t>GitHub</a:t>
+            </a:r>
+            <a:r>
+              <a:rPr lang="ja-JP" altLang="en-US" sz="4400" dirty="0"/>
+              <a:t>の</a:t>
+            </a:r>
+            <a:r>
+              <a:rPr lang="ja-JP" altLang="en-US" sz="4400" dirty="0" smtClean="0"/>
+              <a:t>機能</a:t>
+            </a:r>
+            <a:r>
+              <a:rPr lang="ja-JP" altLang="en-US" sz="4400" dirty="0"/>
+              <a:t>や</a:t>
+            </a:r>
+            <a:r>
+              <a:rPr lang="en-US" altLang="ja-JP" sz="4400" dirty="0" smtClean="0"/>
+              <a:t>API</a:t>
+            </a:r>
+            <a:r>
+              <a:rPr lang="ja-JP" altLang="en-US" sz="4400" dirty="0" err="1" smtClean="0"/>
+              <a:t>，</a:t>
+            </a:r>
+            <a:r>
+              <a:rPr lang="ja-JP" altLang="en-US" sz="4400" dirty="0" smtClean="0"/>
+              <a:t>連携できる</a:t>
+            </a:r>
+            <a:r>
+              <a:rPr lang="ja-JP" altLang="en-US" sz="4400" dirty="0"/>
+              <a:t>ツー ルを調査する．</a:t>
+            </a:r>
+            <a:endParaRPr lang="en-US" altLang="ja-JP" sz="4400" dirty="0" smtClean="0"/>
+          </a:p>
+          <a:p>
+            <a:pPr marL="571500" indent="-571500">
+              <a:buFont typeface="Arial" panose="020B0604020202020204" pitchFamily="34" charset="0"/>
+              <a:buChar char="•"/>
+            </a:pPr>
+            <a:r>
+              <a:rPr lang="en-US" altLang="ja-JP" sz="4400" dirty="0" smtClean="0"/>
+              <a:t>GitHub </a:t>
+            </a:r>
+            <a:r>
+              <a:rPr lang="ja-JP" altLang="en-US" sz="4400" dirty="0"/>
+              <a:t>上</a:t>
+            </a:r>
+            <a:r>
+              <a:rPr lang="ja-JP" altLang="en-US" sz="4400" dirty="0" smtClean="0"/>
+              <a:t>のプロジェクトでテスト工程を調査する．</a:t>
+            </a:r>
+            <a:endParaRPr lang="en-US" altLang="ja-JP" sz="4400" dirty="0" smtClean="0"/>
+          </a:p>
+          <a:p>
+            <a:pPr marL="571500" indent="-571500">
+              <a:buFont typeface="Arial" panose="020B0604020202020204" pitchFamily="34" charset="0"/>
+              <a:buChar char="•"/>
+            </a:pPr>
+            <a:r>
+              <a:rPr lang="ja-JP" altLang="en-US" sz="4400" dirty="0" smtClean="0"/>
+              <a:t>テスト</a:t>
+            </a:r>
+            <a:r>
+              <a:rPr lang="ja-JP" altLang="en-US" sz="4400" dirty="0" smtClean="0"/>
+              <a:t>工程</a:t>
+            </a:r>
+            <a:r>
+              <a:rPr lang="ja-JP" altLang="en-US" sz="4400" dirty="0" smtClean="0"/>
+              <a:t>で利用できる</a:t>
+            </a:r>
+            <a:r>
+              <a:rPr lang="ja-JP" altLang="en-US" sz="4400" dirty="0" smtClean="0"/>
+              <a:t>ツール</a:t>
+            </a:r>
+            <a:r>
+              <a:rPr lang="ja-JP" altLang="en-US" sz="4400" dirty="0"/>
+              <a:t>を作成する</a:t>
+            </a:r>
+            <a:r>
+              <a:rPr lang="ja-JP" altLang="en-US" sz="4400" dirty="0" smtClean="0"/>
+              <a:t>．</a:t>
+            </a:r>
+            <a:endParaRPr lang="ja-JP" altLang="en-US" sz="4400" dirty="0"/>
+          </a:p>
+        </p:txBody>
+      </p:sp>
+      <p:sp>
+        <p:nvSpPr>
+          <p:cNvPr id="27" name="正方形/長方形 26"/>
+          <p:cNvSpPr/>
+          <p:nvPr/>
+        </p:nvSpPr>
+        <p:spPr>
+          <a:xfrm>
+            <a:off x="332288" y="18872020"/>
+            <a:ext cx="11207100" cy="5397221"/>
+          </a:xfrm>
+          <a:prstGeom prst="rect">
+            <a:avLst/>
+          </a:prstGeom>
+          <a:ln/>
+        </p:spPr>
+        <p:style>
+          <a:lnRef idx="2">
+            <a:schemeClr val="accent1"/>
+          </a:lnRef>
+          <a:fillRef idx="1">
+            <a:schemeClr val="lt1"/>
+          </a:fillRef>
+          <a:effectRef idx="0">
+            <a:schemeClr val="accent1"/>
+          </a:effectRef>
+          <a:fontRef idx="minor">
+            <a:schemeClr val="dk1"/>
+          </a:fontRef>
+        </p:style>
+        <p:txBody>
+          <a:bodyPr rtlCol="0" anchor="ctr"/>
+          <a:lstStyle/>
+          <a:p>
+            <a:pPr algn="ctr"/>
+            <a:endParaRPr lang="ja-JP" altLang="en-US" dirty="0">
+              <a:solidFill>
+                <a:prstClr val="black"/>
+              </a:solidFill>
+            </a:endParaRPr>
+          </a:p>
+        </p:txBody>
+      </p:sp>
+      <p:sp>
+        <p:nvSpPr>
+          <p:cNvPr id="6" name="テキスト ボックス 5"/>
+          <p:cNvSpPr txBox="1"/>
+          <p:nvPr/>
+        </p:nvSpPr>
+        <p:spPr>
+          <a:xfrm>
+            <a:off x="479949" y="19921645"/>
+            <a:ext cx="10530951" cy="4154984"/>
+          </a:xfrm>
+          <a:prstGeom prst="rect">
+            <a:avLst/>
+          </a:prstGeom>
+          <a:noFill/>
+        </p:spPr>
+        <p:txBody>
+          <a:bodyPr wrap="square" rtlCol="0">
+            <a:spAutoFit/>
+          </a:bodyPr>
+          <a:lstStyle/>
+          <a:p>
+            <a:pPr marL="685800" indent="-685800">
+              <a:buFont typeface="Arial" panose="020B0604020202020204" pitchFamily="34" charset="0"/>
+              <a:buChar char="•"/>
+            </a:pPr>
+            <a:r>
+              <a:rPr lang="ja-JP" altLang="en-US" sz="4400" dirty="0" smtClean="0"/>
+              <a:t>テストコード</a:t>
+            </a:r>
+            <a:r>
+              <a:rPr lang="ja-JP" altLang="en-US" sz="4400" dirty="0"/>
+              <a:t>があるソフトウェアを調査</a:t>
+            </a:r>
+            <a:r>
+              <a:rPr lang="ja-JP" altLang="en-US" sz="4400" dirty="0" smtClean="0"/>
+              <a:t>し</a:t>
+            </a:r>
+            <a:r>
+              <a:rPr lang="ja-JP" altLang="en-US" sz="4400" dirty="0" smtClean="0"/>
+              <a:t>，</a:t>
+            </a:r>
+            <a:r>
+              <a:rPr lang="en-US" altLang="ja-JP" sz="4400" dirty="0"/>
+              <a:t/>
+            </a:r>
+            <a:br>
+              <a:rPr lang="en-US" altLang="ja-JP" sz="4400" dirty="0"/>
+            </a:br>
+            <a:r>
+              <a:rPr lang="ja-JP" altLang="en-US" sz="4400" dirty="0" smtClean="0"/>
+              <a:t>カバ </a:t>
+            </a:r>
+            <a:r>
+              <a:rPr lang="ja-JP" altLang="en-US" sz="4400" dirty="0"/>
+              <a:t>レッジ分析やコードの</a:t>
+            </a:r>
+            <a:r>
+              <a:rPr lang="ja-JP" altLang="en-US" sz="4400" dirty="0" smtClean="0"/>
+              <a:t>行数</a:t>
+            </a:r>
+            <a:r>
+              <a:rPr lang="ja-JP" altLang="en-US" sz="4400" dirty="0"/>
+              <a:t>を</a:t>
+            </a:r>
+            <a:r>
+              <a:rPr lang="ja-JP" altLang="en-US" sz="4400" dirty="0" smtClean="0"/>
+              <a:t>数える</a:t>
+            </a:r>
+            <a:r>
+              <a:rPr lang="en-US" altLang="ja-JP" sz="4400" dirty="0" smtClean="0"/>
+              <a:t/>
+            </a:r>
+            <a:br>
+              <a:rPr lang="en-US" altLang="ja-JP" sz="4400" dirty="0" smtClean="0"/>
+            </a:br>
+            <a:r>
+              <a:rPr lang="ja-JP" altLang="en-US" sz="4400" dirty="0" smtClean="0"/>
+              <a:t>こと</a:t>
+            </a:r>
+            <a:r>
+              <a:rPr lang="ja-JP" altLang="en-US" sz="4400" dirty="0"/>
+              <a:t>を行って </a:t>
+            </a:r>
+            <a:r>
+              <a:rPr lang="ja-JP" altLang="en-US" sz="4400" dirty="0" smtClean="0"/>
+              <a:t>いる．</a:t>
+            </a:r>
+            <a:endParaRPr lang="en-US" altLang="ja-JP" sz="4400" dirty="0" smtClean="0"/>
+          </a:p>
+          <a:p>
+            <a:pPr marL="685800" indent="-685800">
+              <a:buFont typeface="Arial" panose="020B0604020202020204" pitchFamily="34" charset="0"/>
+              <a:buChar char="•"/>
+            </a:pPr>
+            <a:r>
+              <a:rPr lang="en-US" altLang="ja-JP" sz="4400" dirty="0"/>
+              <a:t>GitHub </a:t>
+            </a:r>
+            <a:r>
+              <a:rPr lang="ja-JP" altLang="en-US" sz="4400" dirty="0"/>
+              <a:t>の機能や使い方を</a:t>
+            </a:r>
+            <a:r>
+              <a:rPr lang="ja-JP" altLang="en-US" sz="4400" dirty="0" smtClean="0"/>
+              <a:t>調査と </a:t>
+            </a:r>
+            <a:r>
+              <a:rPr lang="ja-JP" altLang="en-US" sz="4400" dirty="0"/>
+              <a:t>とも</a:t>
+            </a:r>
+            <a:r>
+              <a:rPr lang="ja-JP" altLang="en-US" sz="4400" dirty="0" smtClean="0"/>
+              <a:t>に</a:t>
+            </a:r>
+            <a:r>
+              <a:rPr lang="ja-JP" altLang="en-US" sz="4400" dirty="0" smtClean="0"/>
+              <a:t>，</a:t>
+            </a:r>
+            <a:r>
+              <a:rPr lang="en-US" altLang="ja-JP" sz="4400" dirty="0" smtClean="0"/>
+              <a:t/>
+            </a:r>
+            <a:br>
+              <a:rPr lang="en-US" altLang="ja-JP" sz="4400" dirty="0" smtClean="0"/>
+            </a:br>
+            <a:r>
+              <a:rPr lang="en-US" altLang="ja-JP" sz="4400" dirty="0" smtClean="0"/>
+              <a:t>GitHub </a:t>
+            </a:r>
+            <a:r>
+              <a:rPr lang="ja-JP" altLang="en-US" sz="4400" dirty="0"/>
+              <a:t>を活用した</a:t>
+            </a:r>
+            <a:r>
+              <a:rPr lang="ja-JP" altLang="en-US" sz="4400" dirty="0" smtClean="0"/>
+              <a:t>マネジメントツールを</a:t>
+            </a:r>
+            <a:r>
+              <a:rPr lang="en-US" altLang="ja-JP" sz="4400" dirty="0" smtClean="0"/>
+              <a:t/>
+            </a:r>
+            <a:br>
+              <a:rPr lang="en-US" altLang="ja-JP" sz="4400" dirty="0" smtClean="0"/>
+            </a:br>
+            <a:r>
+              <a:rPr lang="ja-JP" altLang="en-US" sz="4400" dirty="0" smtClean="0"/>
+              <a:t>考案中</a:t>
+            </a:r>
+            <a:r>
+              <a:rPr lang="ja-JP" altLang="en-US" sz="4400" dirty="0"/>
+              <a:t>で ある</a:t>
+            </a:r>
+            <a:r>
+              <a:rPr lang="ja-JP" altLang="en-US" sz="4400" dirty="0" smtClean="0"/>
+              <a:t>．</a:t>
+            </a:r>
+            <a:endParaRPr lang="en-US" altLang="ja-JP" sz="4400" dirty="0" smtClean="0"/>
+          </a:p>
+        </p:txBody>
+      </p:sp>
+      <p:sp>
+        <p:nvSpPr>
+          <p:cNvPr id="29" name="円/楕円 28"/>
+          <p:cNvSpPr/>
+          <p:nvPr/>
+        </p:nvSpPr>
+        <p:spPr>
+          <a:xfrm>
+            <a:off x="232371" y="3505494"/>
+            <a:ext cx="4697002" cy="1841093"/>
+          </a:xfrm>
+          <a:prstGeom prst="ellipse">
+            <a:avLst/>
+          </a:prstGeom>
+          <a:ln/>
+        </p:spPr>
+        <p:style>
+          <a:lnRef idx="1">
+            <a:schemeClr val="accent3"/>
+          </a:lnRef>
+          <a:fillRef idx="2">
+            <a:schemeClr val="accent3"/>
+          </a:fillRef>
+          <a:effectRef idx="1">
+            <a:schemeClr val="accent3"/>
+          </a:effectRef>
+          <a:fontRef idx="minor">
+            <a:schemeClr val="dk1"/>
+          </a:fontRef>
+        </p:style>
+        <p:txBody>
+          <a:bodyPr rtlCol="0" anchor="ctr"/>
+          <a:lstStyle/>
+          <a:p>
+            <a:pPr algn="ctr"/>
+            <a:r>
+              <a:rPr lang="ja-JP" altLang="en-US" sz="4800" b="1" dirty="0">
                 <a:solidFill>
                   <a:prstClr val="black"/>
                 </a:solidFill>
-              </a:endParaRPr>
-            </a:p>
-          </p:txBody>
-        </p:sp>
-        <p:sp>
-          <p:nvSpPr>
-            <p:cNvPr id="17" name="テキスト ボックス 16"/>
-            <p:cNvSpPr txBox="1"/>
-            <p:nvPr/>
-          </p:nvSpPr>
-          <p:spPr>
-            <a:xfrm>
-              <a:off x="670449" y="27768143"/>
-              <a:ext cx="17062684" cy="2123658"/>
-            </a:xfrm>
-            <a:prstGeom prst="rect">
-              <a:avLst/>
-            </a:prstGeom>
-            <a:noFill/>
-          </p:spPr>
-          <p:txBody>
-            <a:bodyPr wrap="square" rtlCol="0">
-              <a:spAutoFit/>
-            </a:bodyPr>
-            <a:lstStyle/>
-            <a:p>
-              <a:pPr marL="571500" indent="-571500">
-                <a:buFont typeface="Arial" panose="020B0604020202020204" pitchFamily="34" charset="0"/>
-                <a:buChar char="•"/>
-              </a:pPr>
-              <a:r>
-                <a:rPr lang="ja-JP" altLang="en-US" sz="4400" dirty="0" smtClean="0"/>
-                <a:t>調査の継続を行う．</a:t>
-              </a:r>
-              <a:endParaRPr lang="en-US" altLang="ja-JP" sz="4400" dirty="0" smtClean="0"/>
-            </a:p>
-            <a:p>
-              <a:pPr marL="571500" indent="-571500">
-                <a:buFont typeface="Arial" panose="020B0604020202020204" pitchFamily="34" charset="0"/>
-                <a:buChar char="•"/>
-              </a:pPr>
-              <a:r>
-                <a:rPr lang="en-US" altLang="ja-JP" sz="4400" dirty="0" smtClean="0"/>
-                <a:t>GitHub </a:t>
-              </a:r>
-              <a:r>
-                <a:rPr lang="ja-JP" altLang="en-US" sz="4400" dirty="0"/>
-                <a:t>を活用した</a:t>
-              </a:r>
-              <a:r>
-                <a:rPr lang="ja-JP" altLang="en-US" sz="4400" dirty="0" smtClean="0"/>
-                <a:t>マネジメントツールの作成 </a:t>
-              </a:r>
-              <a:r>
-                <a:rPr lang="ja-JP" altLang="en-US" sz="4400" dirty="0"/>
-                <a:t>する． </a:t>
-              </a:r>
-              <a:endParaRPr lang="en-US" altLang="ja-JP" sz="4400" dirty="0" smtClean="0"/>
-            </a:p>
-            <a:p>
-              <a:pPr marL="571500" indent="-571500">
-                <a:buFont typeface="Arial" panose="020B0604020202020204" pitchFamily="34" charset="0"/>
-                <a:buChar char="•"/>
-              </a:pPr>
-              <a:r>
-                <a:rPr lang="ja-JP" altLang="en-US" sz="4400" dirty="0"/>
-                <a:t>作成したツールがテスト工程で活用できるか実 際に使用し検討</a:t>
-              </a:r>
-              <a:r>
-                <a:rPr lang="ja-JP" altLang="en-US" sz="4400" dirty="0" smtClean="0"/>
-                <a:t>する．</a:t>
-              </a:r>
-              <a:endParaRPr lang="en-US" altLang="ja-JP" sz="4400" dirty="0" smtClean="0"/>
-            </a:p>
-          </p:txBody>
-        </p:sp>
-      </p:grpSp>
-      <p:grpSp>
-        <p:nvGrpSpPr>
-          <p:cNvPr id="8" name="グループ化 7"/>
-          <p:cNvGrpSpPr/>
+              </a:rPr>
+              <a:t>背景</a:t>
+            </a:r>
+            <a:endParaRPr lang="ja-JP" altLang="en-US" sz="4800" b="1" dirty="0">
+              <a:solidFill>
+                <a:prstClr val="black"/>
+              </a:solidFill>
+            </a:endParaRPr>
+          </a:p>
+        </p:txBody>
+      </p:sp>
+      <p:sp>
+        <p:nvSpPr>
+          <p:cNvPr id="30" name="円/楕円 29"/>
+          <p:cNvSpPr/>
           <p:nvPr/>
-        </p:nvGrpSpPr>
-        <p:grpSpPr>
+        </p:nvSpPr>
+        <p:spPr>
           <a:xfrm>
-            <a:off x="217898" y="3413224"/>
-            <a:ext cx="20883352" cy="6368835"/>
-            <a:chOff x="217898" y="3413224"/>
-            <a:chExt cx="20883352" cy="6368835"/>
+            <a:off x="217899" y="8388087"/>
+            <a:ext cx="4697002" cy="1841093"/>
           </a:xfrm>
-        </p:grpSpPr>
-        <p:sp>
-          <p:nvSpPr>
-            <p:cNvPr id="10" name="正方形/長方形 9"/>
-            <p:cNvSpPr/>
-            <p:nvPr/>
-          </p:nvSpPr>
-          <p:spPr>
-            <a:xfrm>
-              <a:off x="217900" y="4444900"/>
-              <a:ext cx="20883350" cy="5337159"/>
-            </a:xfrm>
-            <a:prstGeom prst="rect">
-              <a:avLst/>
-            </a:prstGeom>
-            <a:ln/>
-          </p:spPr>
-          <p:style>
-            <a:lnRef idx="2">
-              <a:schemeClr val="accent1"/>
-            </a:lnRef>
-            <a:fillRef idx="1">
-              <a:schemeClr val="lt1"/>
-            </a:fillRef>
-            <a:effectRef idx="0">
-              <a:schemeClr val="accent1"/>
-            </a:effectRef>
-            <a:fontRef idx="minor">
-              <a:schemeClr val="dk1"/>
-            </a:fontRef>
-          </p:style>
-          <p:txBody>
-            <a:bodyPr rtlCol="0" anchor="ctr"/>
-            <a:lstStyle/>
-            <a:p>
-              <a:pPr algn="ctr"/>
-              <a:endParaRPr lang="ja-JP" altLang="en-US" sz="4800" dirty="0">
+          <a:prstGeom prst="ellipse">
+            <a:avLst/>
+          </a:prstGeom>
+          <a:ln/>
+        </p:spPr>
+        <p:style>
+          <a:lnRef idx="1">
+            <a:schemeClr val="accent3"/>
+          </a:lnRef>
+          <a:fillRef idx="2">
+            <a:schemeClr val="accent3"/>
+          </a:fillRef>
+          <a:effectRef idx="1">
+            <a:schemeClr val="accent3"/>
+          </a:effectRef>
+          <a:fontRef idx="minor">
+            <a:schemeClr val="dk1"/>
+          </a:fontRef>
+        </p:style>
+        <p:txBody>
+          <a:bodyPr rtlCol="0" anchor="ctr"/>
+          <a:lstStyle/>
+          <a:p>
+            <a:pPr algn="ctr"/>
+            <a:r>
+              <a:rPr lang="ja-JP" altLang="en-US" sz="4800" b="1" dirty="0" smtClean="0">
                 <a:solidFill>
                   <a:prstClr val="black"/>
                 </a:solidFill>
-              </a:endParaRPr>
-            </a:p>
-          </p:txBody>
-        </p:sp>
-        <p:sp>
-          <p:nvSpPr>
-            <p:cNvPr id="4" name="テキスト ボックス 3"/>
-            <p:cNvSpPr txBox="1"/>
-            <p:nvPr/>
-          </p:nvSpPr>
-          <p:spPr>
-            <a:xfrm>
-              <a:off x="675515" y="5600304"/>
-              <a:ext cx="20336598" cy="4154984"/>
-            </a:xfrm>
-            <a:prstGeom prst="rect">
-              <a:avLst/>
-            </a:prstGeom>
-            <a:noFill/>
-          </p:spPr>
-          <p:txBody>
-            <a:bodyPr wrap="square" rtlCol="0">
-              <a:spAutoFit/>
-            </a:bodyPr>
-            <a:lstStyle/>
-            <a:p>
-              <a:pPr marL="571500" indent="-571500">
-                <a:buFont typeface="Arial" panose="020B0604020202020204" pitchFamily="34" charset="0"/>
-                <a:buChar char="•"/>
-              </a:pPr>
-              <a:r>
-                <a:rPr lang="ja-JP" altLang="en-US" sz="4400" dirty="0" smtClean="0"/>
-                <a:t>ソフトウェア開発の現場では，アジャイル開発が普及してきている．</a:t>
-              </a:r>
-              <a:endParaRPr lang="en-US" altLang="ja-JP" sz="4400" dirty="0" smtClean="0"/>
-            </a:p>
-            <a:p>
-              <a:pPr marL="571500" indent="-571500">
-                <a:buFont typeface="Arial" panose="020B0604020202020204" pitchFamily="34" charset="0"/>
-                <a:buChar char="•"/>
-              </a:pPr>
-              <a:r>
-                <a:rPr lang="ja-JP" altLang="en-US" sz="4400" dirty="0" smtClean="0"/>
-                <a:t>アジャイル開発では，テスト駆動開発がよく採用される．</a:t>
-              </a:r>
-              <a:endParaRPr lang="en-US" altLang="ja-JP" sz="4400" dirty="0" smtClean="0"/>
-            </a:p>
-            <a:p>
-              <a:pPr marL="571500" indent="-571500">
-                <a:buFont typeface="Arial" panose="020B0604020202020204" pitchFamily="34" charset="0"/>
-                <a:buChar char="•"/>
-              </a:pPr>
-              <a:r>
-                <a:rPr lang="ja-JP" altLang="en-US" sz="4400" dirty="0"/>
-                <a:t>テストを実施するに</a:t>
-              </a:r>
-              <a:r>
-                <a:rPr lang="ja-JP" altLang="en-US" sz="4400" dirty="0" smtClean="0"/>
-                <a:t>あたり，</a:t>
-              </a:r>
-              <a:r>
-                <a:rPr lang="ja-JP" altLang="en-US" sz="4400" dirty="0"/>
-                <a:t>カバレッジを測 定・分析すること</a:t>
-              </a:r>
-              <a:r>
-                <a:rPr lang="ja-JP" altLang="en-US" sz="4400" dirty="0" smtClean="0"/>
-                <a:t>がソフトウェアの品質</a:t>
-              </a:r>
-              <a:r>
-                <a:rPr lang="en-US" altLang="ja-JP" sz="4400" dirty="0" smtClean="0"/>
-                <a:t/>
-              </a:r>
-              <a:br>
-                <a:rPr lang="en-US" altLang="ja-JP" sz="4400" dirty="0" smtClean="0"/>
-              </a:br>
-              <a:r>
-                <a:rPr lang="ja-JP" altLang="en-US" sz="4400" dirty="0" smtClean="0"/>
-                <a:t>向上</a:t>
-              </a:r>
-              <a:r>
-                <a:rPr lang="ja-JP" altLang="en-US" sz="4400" dirty="0"/>
-                <a:t>に</a:t>
-              </a:r>
-              <a:r>
-                <a:rPr lang="ja-JP" altLang="en-US" sz="4400" dirty="0" smtClean="0"/>
-                <a:t>大きく関わる．</a:t>
-              </a:r>
-              <a:endParaRPr lang="en-US" altLang="ja-JP" sz="4400" dirty="0"/>
-            </a:p>
-            <a:p>
-              <a:pPr marL="571500" indent="-571500">
-                <a:buFont typeface="Arial" panose="020B0604020202020204" pitchFamily="34" charset="0"/>
-                <a:buChar char="•"/>
-              </a:pPr>
-              <a:r>
-                <a:rPr lang="ja-JP" altLang="en-US" sz="4400" dirty="0" smtClean="0"/>
-                <a:t>ソフトウェア開発について調査するにあたり，</a:t>
-              </a:r>
-              <a:r>
-                <a:rPr lang="en-US" altLang="ja-JP" sz="4400" dirty="0" smtClean="0"/>
-                <a:t>GitHub</a:t>
-              </a:r>
-              <a:r>
-                <a:rPr lang="ja-JP" altLang="en-US" sz="4400" dirty="0" smtClean="0"/>
-                <a:t>がプロジェクト数や機能数から有用である．</a:t>
-              </a:r>
-              <a:endParaRPr lang="en-US" altLang="ja-JP" sz="4400" dirty="0" smtClean="0"/>
-            </a:p>
-          </p:txBody>
-        </p:sp>
-        <p:sp>
-          <p:nvSpPr>
-            <p:cNvPr id="37" name="円/楕円 36"/>
-            <p:cNvSpPr/>
-            <p:nvPr/>
-          </p:nvSpPr>
-          <p:spPr>
-            <a:xfrm>
-              <a:off x="217898" y="3413224"/>
-              <a:ext cx="5173884" cy="2152251"/>
-            </a:xfrm>
-            <a:prstGeom prst="ellipse">
-              <a:avLst/>
-            </a:prstGeom>
-            <a:ln/>
-          </p:spPr>
-          <p:style>
-            <a:lnRef idx="1">
-              <a:schemeClr val="accent3"/>
-            </a:lnRef>
-            <a:fillRef idx="2">
-              <a:schemeClr val="accent3"/>
-            </a:fillRef>
-            <a:effectRef idx="1">
-              <a:schemeClr val="accent3"/>
-            </a:effectRef>
-            <a:fontRef idx="minor">
-              <a:schemeClr val="dk1"/>
-            </a:fontRef>
-          </p:style>
-          <p:txBody>
-            <a:bodyPr rtlCol="0" anchor="ctr"/>
-            <a:lstStyle/>
-            <a:p>
-              <a:pPr algn="ctr"/>
-              <a:r>
-                <a:rPr lang="ja-JP" altLang="en-US" sz="4800" b="1" dirty="0" smtClean="0">
-                  <a:solidFill>
-                    <a:prstClr val="black"/>
-                  </a:solidFill>
-                </a:rPr>
-                <a:t>背景</a:t>
-              </a:r>
-              <a:endParaRPr lang="ja-JP" altLang="en-US" sz="4800" b="1" dirty="0">
+              </a:rPr>
+              <a:t>目的</a:t>
+            </a:r>
+            <a:endParaRPr lang="ja-JP" altLang="en-US" sz="4800" b="1" dirty="0">
+              <a:solidFill>
+                <a:prstClr val="black"/>
+              </a:solidFill>
+            </a:endParaRPr>
+          </a:p>
+        </p:txBody>
+      </p:sp>
+      <p:sp>
+        <p:nvSpPr>
+          <p:cNvPr id="31" name="円/楕円 30"/>
+          <p:cNvSpPr/>
+          <p:nvPr/>
+        </p:nvSpPr>
+        <p:spPr>
+          <a:xfrm>
+            <a:off x="232371" y="13496623"/>
+            <a:ext cx="4697002" cy="1841093"/>
+          </a:xfrm>
+          <a:prstGeom prst="ellipse">
+            <a:avLst/>
+          </a:prstGeom>
+          <a:ln/>
+        </p:spPr>
+        <p:style>
+          <a:lnRef idx="1">
+            <a:schemeClr val="accent3"/>
+          </a:lnRef>
+          <a:fillRef idx="2">
+            <a:schemeClr val="accent3"/>
+          </a:fillRef>
+          <a:effectRef idx="1">
+            <a:schemeClr val="accent3"/>
+          </a:effectRef>
+          <a:fontRef idx="minor">
+            <a:schemeClr val="dk1"/>
+          </a:fontRef>
+        </p:style>
+        <p:txBody>
+          <a:bodyPr rtlCol="0" anchor="ctr"/>
+          <a:lstStyle/>
+          <a:p>
+            <a:pPr algn="ctr"/>
+            <a:r>
+              <a:rPr lang="ja-JP" altLang="en-US" sz="4800" b="1" dirty="0">
                 <a:solidFill>
                   <a:prstClr val="black"/>
                 </a:solidFill>
-              </a:endParaRPr>
-            </a:p>
-          </p:txBody>
-        </p:sp>
-      </p:grpSp>
-      <p:grpSp>
-        <p:nvGrpSpPr>
-          <p:cNvPr id="9" name="グループ化 8"/>
-          <p:cNvGrpSpPr/>
+              </a:rPr>
+              <a:t>手法</a:t>
+            </a:r>
+            <a:endParaRPr lang="ja-JP" altLang="en-US" sz="4800" b="1" dirty="0">
+              <a:solidFill>
+                <a:prstClr val="black"/>
+              </a:solidFill>
+            </a:endParaRPr>
+          </a:p>
+        </p:txBody>
+      </p:sp>
+      <p:sp>
+        <p:nvSpPr>
+          <p:cNvPr id="32" name="円/楕円 31"/>
+          <p:cNvSpPr/>
           <p:nvPr/>
-        </p:nvGrpSpPr>
-        <p:grpSpPr>
+        </p:nvSpPr>
+        <p:spPr>
           <a:xfrm>
-            <a:off x="217898" y="9926809"/>
-            <a:ext cx="20897824" cy="5043580"/>
-            <a:chOff x="217898" y="9926809"/>
-            <a:chExt cx="20897824" cy="5043580"/>
+            <a:off x="217899" y="18018725"/>
+            <a:ext cx="4697002" cy="1841093"/>
           </a:xfrm>
-        </p:grpSpPr>
-        <p:sp>
-          <p:nvSpPr>
-            <p:cNvPr id="25" name="正方形/長方形 24"/>
-            <p:cNvSpPr/>
-            <p:nvPr/>
-          </p:nvSpPr>
-          <p:spPr>
-            <a:xfrm>
-              <a:off x="232371" y="10948609"/>
-              <a:ext cx="20883351" cy="4021780"/>
-            </a:xfrm>
-            <a:prstGeom prst="rect">
-              <a:avLst/>
-            </a:prstGeom>
-            <a:ln/>
-          </p:spPr>
-          <p:style>
-            <a:lnRef idx="2">
-              <a:schemeClr val="accent1"/>
-            </a:lnRef>
-            <a:fillRef idx="1">
-              <a:schemeClr val="lt1"/>
-            </a:fillRef>
-            <a:effectRef idx="0">
-              <a:schemeClr val="accent1"/>
-            </a:effectRef>
-            <a:fontRef idx="minor">
-              <a:schemeClr val="dk1"/>
-            </a:fontRef>
-          </p:style>
-          <p:txBody>
-            <a:bodyPr rtlCol="0" anchor="ctr"/>
-            <a:lstStyle/>
-            <a:p>
-              <a:pPr algn="ctr"/>
-              <a:endParaRPr lang="ja-JP" altLang="en-US" sz="4800" dirty="0">
+          <a:prstGeom prst="ellipse">
+            <a:avLst/>
+          </a:prstGeom>
+          <a:ln/>
+        </p:spPr>
+        <p:style>
+          <a:lnRef idx="1">
+            <a:schemeClr val="accent3"/>
+          </a:lnRef>
+          <a:fillRef idx="2">
+            <a:schemeClr val="accent3"/>
+          </a:fillRef>
+          <a:effectRef idx="1">
+            <a:schemeClr val="accent3"/>
+          </a:effectRef>
+          <a:fontRef idx="minor">
+            <a:schemeClr val="dk1"/>
+          </a:fontRef>
+        </p:style>
+        <p:txBody>
+          <a:bodyPr rtlCol="0" anchor="ctr"/>
+          <a:lstStyle/>
+          <a:p>
+            <a:pPr algn="ctr"/>
+            <a:r>
+              <a:rPr lang="ja-JP" altLang="en-US" sz="4800" b="1" dirty="0" smtClean="0">
                 <a:solidFill>
                   <a:prstClr val="black"/>
                 </a:solidFill>
-              </a:endParaRPr>
-            </a:p>
-          </p:txBody>
-        </p:sp>
-        <p:sp>
-          <p:nvSpPr>
-            <p:cNvPr id="12" name="テキスト ボックス 11"/>
-            <p:cNvSpPr txBox="1"/>
-            <p:nvPr/>
-          </p:nvSpPr>
-          <p:spPr>
-            <a:xfrm>
-              <a:off x="675515" y="12168721"/>
-              <a:ext cx="11059438" cy="2800767"/>
-            </a:xfrm>
-            <a:prstGeom prst="rect">
-              <a:avLst/>
-            </a:prstGeom>
-            <a:noFill/>
-          </p:spPr>
-          <p:txBody>
-            <a:bodyPr wrap="square" rtlCol="0">
-              <a:spAutoFit/>
-            </a:bodyPr>
-            <a:lstStyle/>
-            <a:p>
-              <a:pPr marL="571500" indent="-571500">
-                <a:buFont typeface="Arial" panose="020B0604020202020204" pitchFamily="34" charset="0"/>
-                <a:buChar char="•"/>
-              </a:pPr>
-              <a:r>
-                <a:rPr lang="ja-JP" altLang="en-US" sz="4400" dirty="0" smtClean="0"/>
-                <a:t>ソフトウェア開発のテスト工程を</a:t>
-              </a:r>
-              <a:r>
-                <a:rPr lang="en-US" altLang="ja-JP" sz="4400" dirty="0" smtClean="0"/>
-                <a:t>GitHub</a:t>
-              </a:r>
-              <a:r>
-                <a:rPr lang="ja-JP" altLang="en-US" sz="4400" dirty="0" smtClean="0"/>
-                <a:t>上の</a:t>
-              </a:r>
-              <a:r>
-                <a:rPr lang="en-US" altLang="ja-JP" sz="4400" dirty="0" smtClean="0"/>
-                <a:t/>
-              </a:r>
-              <a:br>
-                <a:rPr lang="en-US" altLang="ja-JP" sz="4400" dirty="0" smtClean="0"/>
-              </a:br>
-              <a:r>
-                <a:rPr lang="ja-JP" altLang="en-US" sz="4400" dirty="0" smtClean="0"/>
-                <a:t>プロジェクトで調査する．</a:t>
-              </a:r>
-              <a:endParaRPr lang="en-US" altLang="ja-JP" sz="4400" dirty="0" smtClean="0"/>
-            </a:p>
-            <a:p>
-              <a:pPr marL="571500" indent="-571500">
-                <a:buFont typeface="Arial" panose="020B0604020202020204" pitchFamily="34" charset="0"/>
-                <a:buChar char="•"/>
-              </a:pPr>
-              <a:r>
-                <a:rPr lang="ja-JP" altLang="en-US" sz="4400" dirty="0" smtClean="0"/>
-                <a:t>テスト工程で活用できる</a:t>
-              </a:r>
-              <a:r>
-                <a:rPr lang="ja-JP" altLang="en-US" sz="4400" dirty="0"/>
-                <a:t>ようなツールや</a:t>
-              </a:r>
-              <a:r>
-                <a:rPr lang="ja-JP" altLang="en-US" sz="4400" dirty="0" smtClean="0"/>
-                <a:t>技法</a:t>
-              </a:r>
-              <a:r>
-                <a:rPr lang="en-US" altLang="ja-JP" sz="4400" dirty="0" smtClean="0"/>
-                <a:t/>
-              </a:r>
-              <a:br>
-                <a:rPr lang="en-US" altLang="ja-JP" sz="4400" dirty="0" smtClean="0"/>
-              </a:br>
-              <a:r>
-                <a:rPr lang="ja-JP" altLang="en-US" sz="4400" dirty="0" smtClean="0"/>
-                <a:t>の提案する．</a:t>
-              </a:r>
-              <a:endParaRPr lang="en-US" altLang="ja-JP" sz="4400" dirty="0" smtClean="0"/>
-            </a:p>
-          </p:txBody>
-        </p:sp>
-        <p:sp>
-          <p:nvSpPr>
-            <p:cNvPr id="18" name="下矢印 17"/>
-            <p:cNvSpPr/>
-            <p:nvPr/>
-          </p:nvSpPr>
-          <p:spPr>
-            <a:xfrm rot="16200000">
-              <a:off x="11820989" y="12530120"/>
-              <a:ext cx="2602953" cy="1268646"/>
-            </a:xfrm>
-            <a:prstGeom prst="downArrow">
-              <a:avLst/>
-            </a:prstGeom>
-          </p:spPr>
-          <p:style>
-            <a:lnRef idx="1">
-              <a:schemeClr val="accent1"/>
-            </a:lnRef>
-            <a:fillRef idx="3">
-              <a:schemeClr val="accent1"/>
-            </a:fillRef>
-            <a:effectRef idx="2">
-              <a:schemeClr val="accent1"/>
-            </a:effectRef>
-            <a:fontRef idx="minor">
-              <a:schemeClr val="lt1"/>
-            </a:fontRef>
-          </p:style>
-          <p:txBody>
-            <a:bodyPr rtlCol="0" anchor="ctr"/>
-            <a:lstStyle/>
-            <a:p>
-              <a:pPr algn="ctr"/>
-              <a:endParaRPr kumimoji="1" lang="ja-JP" altLang="en-US"/>
-            </a:p>
-          </p:txBody>
-        </p:sp>
-        <p:sp>
-          <p:nvSpPr>
-            <p:cNvPr id="20" name="テキスト ボックス 19"/>
-            <p:cNvSpPr txBox="1"/>
-            <p:nvPr/>
-          </p:nvSpPr>
-          <p:spPr>
-            <a:xfrm>
-              <a:off x="14620978" y="12677350"/>
-              <a:ext cx="5516254" cy="830997"/>
-            </a:xfrm>
-            <a:prstGeom prst="rect">
-              <a:avLst/>
-            </a:prstGeom>
-            <a:noFill/>
-          </p:spPr>
-          <p:txBody>
-            <a:bodyPr wrap="square" rtlCol="0">
-              <a:spAutoFit/>
-            </a:bodyPr>
-            <a:lstStyle/>
-            <a:p>
-              <a:r>
-                <a:rPr lang="ja-JP" altLang="en-US" sz="4800" b="1" dirty="0" smtClean="0"/>
-                <a:t>テスト工程の</a:t>
-              </a:r>
-              <a:r>
-                <a:rPr lang="ja-JP" altLang="en-US" sz="4800" b="1" dirty="0" smtClean="0"/>
-                <a:t>効率</a:t>
-              </a:r>
-              <a:r>
-                <a:rPr lang="en-US" altLang="ja-JP" sz="4800" b="1" dirty="0" smtClean="0"/>
-                <a:t>UP</a:t>
-              </a:r>
-              <a:endParaRPr kumimoji="1" lang="ja-JP" altLang="en-US" sz="4800" b="1" dirty="0"/>
-            </a:p>
-          </p:txBody>
-        </p:sp>
-        <p:sp>
-          <p:nvSpPr>
-            <p:cNvPr id="38" name="円/楕円 37"/>
-            <p:cNvSpPr/>
-            <p:nvPr/>
-          </p:nvSpPr>
-          <p:spPr>
-            <a:xfrm>
-              <a:off x="217898" y="9926809"/>
-              <a:ext cx="5173884" cy="2152251"/>
-            </a:xfrm>
-            <a:prstGeom prst="ellipse">
-              <a:avLst/>
-            </a:prstGeom>
-            <a:ln/>
-          </p:spPr>
-          <p:style>
-            <a:lnRef idx="1">
-              <a:schemeClr val="accent3"/>
-            </a:lnRef>
-            <a:fillRef idx="2">
-              <a:schemeClr val="accent3"/>
-            </a:fillRef>
-            <a:effectRef idx="1">
-              <a:schemeClr val="accent3"/>
-            </a:effectRef>
-            <a:fontRef idx="minor">
-              <a:schemeClr val="dk1"/>
-            </a:fontRef>
-          </p:style>
-          <p:txBody>
-            <a:bodyPr rtlCol="0" anchor="ctr"/>
-            <a:lstStyle/>
-            <a:p>
-              <a:pPr algn="ctr"/>
-              <a:r>
-                <a:rPr lang="ja-JP" altLang="en-US" sz="4800" b="1" dirty="0" smtClean="0">
-                  <a:solidFill>
-                    <a:prstClr val="black"/>
-                  </a:solidFill>
-                </a:rPr>
-                <a:t>目的</a:t>
-              </a:r>
-              <a:endParaRPr lang="ja-JP" altLang="en-US" sz="4800" b="1" dirty="0">
+              </a:rPr>
+              <a:t>進捗</a:t>
+            </a:r>
+            <a:r>
+              <a:rPr lang="ja-JP" altLang="en-US" sz="4800" b="1" dirty="0">
                 <a:solidFill>
                   <a:prstClr val="black"/>
                 </a:solidFill>
-              </a:endParaRPr>
-            </a:p>
-          </p:txBody>
-        </p:sp>
-      </p:grpSp>
-      <p:grpSp>
-        <p:nvGrpSpPr>
-          <p:cNvPr id="11" name="グループ化 10"/>
-          <p:cNvGrpSpPr/>
+              </a:rPr>
+              <a:t>状況</a:t>
+            </a:r>
+            <a:endParaRPr lang="ja-JP" altLang="en-US" sz="4800" b="1" dirty="0">
+              <a:solidFill>
+                <a:prstClr val="black"/>
+              </a:solidFill>
+            </a:endParaRPr>
+          </a:p>
+        </p:txBody>
+      </p:sp>
+      <p:pic>
+        <p:nvPicPr>
+          <p:cNvPr id="5" name="図 4"/>
+          <p:cNvPicPr>
+            <a:picLocks noChangeAspect="1"/>
+          </p:cNvPicPr>
           <p:nvPr/>
-        </p:nvGrpSpPr>
-        <p:grpSpPr>
+        </p:nvPicPr>
+        <p:blipFill>
+          <a:blip r:embed="rId2">
+            <a:extLst>
+              <a:ext uri="{28A0092B-C50C-407E-A947-70E740481C1C}">
+                <a14:useLocalDpi xmlns:a14="http://schemas.microsoft.com/office/drawing/2010/main" val="0"/>
+              </a:ext>
+            </a:extLst>
+          </a:blip>
+          <a:stretch>
+            <a:fillRect/>
+          </a:stretch>
+        </p:blipFill>
+        <p:spPr>
           <a:xfrm>
-            <a:off x="217898" y="15151679"/>
-            <a:ext cx="20883353" cy="5071371"/>
-            <a:chOff x="217898" y="15151679"/>
-            <a:chExt cx="20883353" cy="5071371"/>
+            <a:off x="11853819" y="21156620"/>
+            <a:ext cx="9134327" cy="3110937"/>
           </a:xfrm>
-        </p:grpSpPr>
-        <p:sp>
-          <p:nvSpPr>
-            <p:cNvPr id="26" name="正方形/長方形 25"/>
-            <p:cNvSpPr/>
-            <p:nvPr/>
-          </p:nvSpPr>
-          <p:spPr>
-            <a:xfrm>
-              <a:off x="217901" y="16202329"/>
-              <a:ext cx="20883350" cy="4020721"/>
-            </a:xfrm>
-            <a:prstGeom prst="rect">
-              <a:avLst/>
-            </a:prstGeom>
-            <a:ln/>
-          </p:spPr>
-          <p:style>
-            <a:lnRef idx="2">
+          <a:prstGeom prst="rect">
+            <a:avLst/>
+          </a:prstGeom>
+          <a:ln>
+            <a:solidFill>
               <a:schemeClr val="accent1"/>
-            </a:lnRef>
-            <a:fillRef idx="1">
-              <a:schemeClr val="lt1"/>
-            </a:fillRef>
-            <a:effectRef idx="0">
-              <a:schemeClr val="accent1"/>
-            </a:effectRef>
-            <a:fontRef idx="minor">
-              <a:schemeClr val="dk1"/>
-            </a:fontRef>
-          </p:style>
-          <p:txBody>
-            <a:bodyPr rtlCol="0" anchor="ctr"/>
-            <a:lstStyle/>
-            <a:p>
-              <a:pPr algn="ctr"/>
-              <a:endParaRPr lang="ja-JP" altLang="en-US" sz="4800" dirty="0">
-                <a:solidFill>
-                  <a:prstClr val="black"/>
-                </a:solidFill>
-              </a:endParaRPr>
-            </a:p>
-          </p:txBody>
-        </p:sp>
-        <p:sp>
-          <p:nvSpPr>
-            <p:cNvPr id="16" name="テキスト ボックス 15"/>
-            <p:cNvSpPr txBox="1"/>
-            <p:nvPr/>
-          </p:nvSpPr>
-          <p:spPr>
-            <a:xfrm>
-              <a:off x="675515" y="17391530"/>
-              <a:ext cx="19875954" cy="2800767"/>
-            </a:xfrm>
-            <a:prstGeom prst="rect">
-              <a:avLst/>
-            </a:prstGeom>
-            <a:noFill/>
-          </p:spPr>
-          <p:txBody>
-            <a:bodyPr wrap="square" rtlCol="0">
-              <a:spAutoFit/>
-            </a:bodyPr>
-            <a:lstStyle/>
-            <a:p>
-              <a:pPr marL="571500" indent="-571500">
-                <a:buFont typeface="Arial" panose="020B0604020202020204" pitchFamily="34" charset="0"/>
-                <a:buChar char="•"/>
-              </a:pPr>
-              <a:r>
-                <a:rPr lang="en-US" altLang="ja-JP" sz="4400" dirty="0" smtClean="0"/>
-                <a:t>GitHub</a:t>
-              </a:r>
-              <a:r>
-                <a:rPr lang="ja-JP" altLang="en-US" sz="4400" dirty="0"/>
-                <a:t>で利用できる機能や</a:t>
-              </a:r>
-              <a:r>
-                <a:rPr lang="en-US" altLang="ja-JP" sz="4400" dirty="0" smtClean="0"/>
-                <a:t>API</a:t>
-              </a:r>
-              <a:r>
-                <a:rPr lang="ja-JP" altLang="en-US" sz="4400" dirty="0" err="1" smtClean="0"/>
-                <a:t>，</a:t>
-              </a:r>
-              <a:r>
-                <a:rPr lang="ja-JP" altLang="en-US" sz="4400" dirty="0" smtClean="0"/>
-                <a:t>連携できる</a:t>
-              </a:r>
-              <a:r>
-                <a:rPr lang="ja-JP" altLang="en-US" sz="4400" dirty="0"/>
-                <a:t>ツー ルを調査する．</a:t>
-              </a:r>
-              <a:endParaRPr lang="en-US" altLang="ja-JP" sz="4400" dirty="0" smtClean="0"/>
-            </a:p>
-            <a:p>
-              <a:pPr marL="571500" indent="-571500">
-                <a:buFont typeface="Arial" panose="020B0604020202020204" pitchFamily="34" charset="0"/>
-                <a:buChar char="•"/>
-              </a:pPr>
-              <a:r>
-                <a:rPr lang="en-US" altLang="ja-JP" sz="4400" dirty="0" smtClean="0"/>
-                <a:t>GitHub </a:t>
-              </a:r>
-              <a:r>
-                <a:rPr lang="ja-JP" altLang="en-US" sz="4400" dirty="0"/>
-                <a:t>にホスティング</a:t>
-              </a:r>
-              <a:r>
-                <a:rPr lang="ja-JP" altLang="en-US" sz="4400" dirty="0" smtClean="0"/>
-                <a:t>されて</a:t>
-              </a:r>
-              <a:r>
-                <a:rPr lang="ja-JP" altLang="en-US" sz="4400" dirty="0"/>
-                <a:t>いるプロジェクトを調査し</a:t>
-              </a:r>
-              <a:r>
-                <a:rPr lang="ja-JP" altLang="en-US" sz="4400" dirty="0" smtClean="0"/>
-                <a:t>，現在</a:t>
-              </a:r>
-              <a:r>
-                <a:rPr lang="ja-JP" altLang="en-US" sz="4400" dirty="0"/>
-                <a:t>のソフトウェア 開発</a:t>
-              </a:r>
-              <a:r>
-                <a:rPr lang="ja-JP" altLang="en-US" sz="4400" dirty="0" smtClean="0"/>
-                <a:t>の</a:t>
-              </a:r>
-              <a:r>
-                <a:rPr lang="en-US" altLang="ja-JP" sz="4400" dirty="0" smtClean="0"/>
-                <a:t/>
-              </a:r>
-              <a:br>
-                <a:rPr lang="en-US" altLang="ja-JP" sz="4400" dirty="0" smtClean="0"/>
-              </a:br>
-              <a:r>
-                <a:rPr lang="ja-JP" altLang="en-US" sz="4400" dirty="0" smtClean="0"/>
-                <a:t>テスト</a:t>
-              </a:r>
-              <a:r>
-                <a:rPr lang="ja-JP" altLang="en-US" sz="4400" dirty="0"/>
-                <a:t>についての実情を知る</a:t>
-              </a:r>
-              <a:r>
-                <a:rPr lang="ja-JP" altLang="en-US" sz="4400" dirty="0" smtClean="0"/>
-                <a:t>．</a:t>
-              </a:r>
-              <a:endParaRPr lang="en-US" altLang="ja-JP" sz="4400" dirty="0" smtClean="0"/>
-            </a:p>
-            <a:p>
-              <a:pPr marL="571500" indent="-571500">
-                <a:buFont typeface="Arial" panose="020B0604020202020204" pitchFamily="34" charset="0"/>
-                <a:buChar char="•"/>
-              </a:pPr>
-              <a:r>
-                <a:rPr lang="ja-JP" altLang="en-US" sz="4400" dirty="0" smtClean="0"/>
-                <a:t>テスト工程をより管理</a:t>
-              </a:r>
-              <a:r>
-                <a:rPr lang="ja-JP" altLang="en-US" sz="4400" dirty="0"/>
-                <a:t>しやすくなるようなツールを作成する</a:t>
-              </a:r>
-              <a:r>
-                <a:rPr lang="ja-JP" altLang="en-US" sz="4400" dirty="0" smtClean="0"/>
-                <a:t>．</a:t>
-              </a:r>
-              <a:endParaRPr lang="ja-JP" altLang="en-US" sz="4400" dirty="0"/>
-            </a:p>
-          </p:txBody>
-        </p:sp>
-        <p:sp>
-          <p:nvSpPr>
-            <p:cNvPr id="39" name="円/楕円 38"/>
-            <p:cNvSpPr/>
-            <p:nvPr/>
-          </p:nvSpPr>
-          <p:spPr>
-            <a:xfrm>
-              <a:off x="217898" y="15151679"/>
-              <a:ext cx="5173884" cy="2152251"/>
-            </a:xfrm>
-            <a:prstGeom prst="ellipse">
-              <a:avLst/>
-            </a:prstGeom>
-            <a:ln/>
-          </p:spPr>
-          <p:style>
-            <a:lnRef idx="1">
-              <a:schemeClr val="accent3"/>
-            </a:lnRef>
-            <a:fillRef idx="2">
-              <a:schemeClr val="accent3"/>
-            </a:fillRef>
-            <a:effectRef idx="1">
-              <a:schemeClr val="accent3"/>
-            </a:effectRef>
-            <a:fontRef idx="minor">
-              <a:schemeClr val="dk1"/>
-            </a:fontRef>
-          </p:style>
-          <p:txBody>
-            <a:bodyPr rtlCol="0" anchor="ctr"/>
-            <a:lstStyle/>
-            <a:p>
-              <a:pPr algn="ctr"/>
-              <a:r>
-                <a:rPr lang="ja-JP" altLang="en-US" sz="4800" b="1" dirty="0" smtClean="0">
-                  <a:solidFill>
-                    <a:prstClr val="black"/>
-                  </a:solidFill>
-                </a:rPr>
-                <a:t>手法</a:t>
-              </a:r>
-              <a:endParaRPr lang="ja-JP" altLang="en-US" sz="4800" b="1" dirty="0">
-                <a:solidFill>
-                  <a:prstClr val="black"/>
-                </a:solidFill>
-              </a:endParaRPr>
-            </a:p>
-          </p:txBody>
-        </p:sp>
-      </p:grpSp>
-      <p:grpSp>
-        <p:nvGrpSpPr>
-          <p:cNvPr id="15" name="グループ化 14"/>
-          <p:cNvGrpSpPr/>
+            </a:solidFill>
+          </a:ln>
+        </p:spPr>
+      </p:pic>
+      <p:sp>
+        <p:nvSpPr>
+          <p:cNvPr id="7" name="テキスト ボックス 6"/>
+          <p:cNvSpPr txBox="1"/>
           <p:nvPr/>
-        </p:nvGrpSpPr>
-        <p:grpSpPr>
+        </p:nvSpPr>
+        <p:spPr>
           <a:xfrm>
-            <a:off x="217900" y="20385216"/>
-            <a:ext cx="21063300" cy="5005456"/>
-            <a:chOff x="217900" y="20385216"/>
-            <a:chExt cx="21063300" cy="5005456"/>
+            <a:off x="11853819" y="20080833"/>
+            <a:ext cx="6128035" cy="843436"/>
           </a:xfrm>
-        </p:grpSpPr>
-        <p:sp>
-          <p:nvSpPr>
-            <p:cNvPr id="27" name="正方形/長方形 26"/>
-            <p:cNvSpPr/>
-            <p:nvPr/>
-          </p:nvSpPr>
-          <p:spPr>
-            <a:xfrm>
-              <a:off x="217900" y="21353281"/>
-              <a:ext cx="20883351" cy="4037391"/>
-            </a:xfrm>
-            <a:prstGeom prst="rect">
-              <a:avLst/>
-            </a:prstGeom>
-            <a:ln/>
-          </p:spPr>
-          <p:style>
-            <a:lnRef idx="2">
-              <a:schemeClr val="accent1"/>
-            </a:lnRef>
-            <a:fillRef idx="1">
-              <a:schemeClr val="lt1"/>
-            </a:fillRef>
-            <a:effectRef idx="0">
-              <a:schemeClr val="accent1"/>
-            </a:effectRef>
-            <a:fontRef idx="minor">
-              <a:schemeClr val="dk1"/>
-            </a:fontRef>
-          </p:style>
-          <p:txBody>
-            <a:bodyPr rtlCol="0" anchor="ctr"/>
-            <a:lstStyle/>
-            <a:p>
-              <a:pPr algn="ctr"/>
-              <a:endParaRPr lang="ja-JP" altLang="en-US" dirty="0">
-                <a:solidFill>
-                  <a:prstClr val="black"/>
-                </a:solidFill>
-              </a:endParaRPr>
-            </a:p>
-          </p:txBody>
-        </p:sp>
-        <p:sp>
-          <p:nvSpPr>
-            <p:cNvPr id="6" name="テキスト ボックス 5"/>
-            <p:cNvSpPr txBox="1"/>
-            <p:nvPr/>
-          </p:nvSpPr>
-          <p:spPr>
-            <a:xfrm>
-              <a:off x="670449" y="22589905"/>
-              <a:ext cx="20610751" cy="2800767"/>
-            </a:xfrm>
-            <a:prstGeom prst="rect">
-              <a:avLst/>
-            </a:prstGeom>
-            <a:noFill/>
-          </p:spPr>
-          <p:txBody>
-            <a:bodyPr wrap="square" rtlCol="0">
-              <a:spAutoFit/>
-            </a:bodyPr>
-            <a:lstStyle/>
-            <a:p>
-              <a:pPr marL="685800" indent="-685800">
-                <a:buFont typeface="Arial" panose="020B0604020202020204" pitchFamily="34" charset="0"/>
-                <a:buChar char="•"/>
-              </a:pPr>
-              <a:r>
-                <a:rPr lang="ja-JP" altLang="en-US" sz="4400" dirty="0" smtClean="0"/>
-                <a:t>テストコード</a:t>
-              </a:r>
-              <a:r>
-                <a:rPr lang="ja-JP" altLang="en-US" sz="4400" dirty="0"/>
-                <a:t>があるソフトウェアを調査</a:t>
-              </a:r>
-              <a:r>
-                <a:rPr lang="ja-JP" altLang="en-US" sz="4400" dirty="0" smtClean="0"/>
-                <a:t>し，</a:t>
-              </a:r>
-              <a:r>
-                <a:rPr lang="ja-JP" altLang="en-US" sz="4400" dirty="0"/>
-                <a:t>カバ レッジ分析やコードの行数</a:t>
-              </a:r>
-              <a:r>
-                <a:rPr lang="ja-JP" altLang="en-US" sz="4400" dirty="0" smtClean="0"/>
-                <a:t>を</a:t>
-              </a:r>
-              <a:r>
-                <a:rPr lang="en-US" altLang="ja-JP" sz="4400" dirty="0" smtClean="0"/>
-                <a:t/>
-              </a:r>
-              <a:br>
-                <a:rPr lang="en-US" altLang="ja-JP" sz="4400" dirty="0" smtClean="0"/>
-              </a:br>
-              <a:r>
-                <a:rPr lang="ja-JP" altLang="en-US" sz="4400" dirty="0" smtClean="0"/>
-                <a:t>数える</a:t>
-              </a:r>
-              <a:r>
-                <a:rPr lang="ja-JP" altLang="en-US" sz="4400" dirty="0"/>
-                <a:t>ことを行って </a:t>
-              </a:r>
-              <a:r>
-                <a:rPr lang="ja-JP" altLang="en-US" sz="4400" dirty="0" smtClean="0"/>
-                <a:t>いる．</a:t>
-              </a:r>
-              <a:endParaRPr lang="en-US" altLang="ja-JP" sz="4400" dirty="0" smtClean="0"/>
-            </a:p>
-            <a:p>
-              <a:pPr marL="685800" indent="-685800">
-                <a:buFont typeface="Arial" panose="020B0604020202020204" pitchFamily="34" charset="0"/>
-                <a:buChar char="•"/>
-              </a:pPr>
-              <a:r>
-                <a:rPr lang="en-US" altLang="ja-JP" sz="4400" dirty="0"/>
-                <a:t>GitHub </a:t>
-              </a:r>
-              <a:r>
-                <a:rPr lang="ja-JP" altLang="en-US" sz="4400" dirty="0"/>
-                <a:t>の機能や使い方を調査すると とも</a:t>
-              </a:r>
-              <a:r>
-                <a:rPr lang="ja-JP" altLang="en-US" sz="4400" dirty="0" smtClean="0"/>
-                <a:t>に，</a:t>
-              </a:r>
-              <a:r>
-                <a:rPr lang="en-US" altLang="ja-JP" sz="4400" dirty="0" smtClean="0"/>
-                <a:t>GitHub </a:t>
-              </a:r>
-              <a:r>
-                <a:rPr lang="ja-JP" altLang="en-US" sz="4400" dirty="0"/>
-                <a:t>を活用した</a:t>
-              </a:r>
-              <a:r>
-                <a:rPr lang="ja-JP" altLang="en-US" sz="4400" dirty="0" smtClean="0"/>
-                <a:t>マネジメント</a:t>
-              </a:r>
-              <a:r>
-                <a:rPr lang="en-US" altLang="ja-JP" sz="4400" dirty="0" smtClean="0"/>
-                <a:t/>
-              </a:r>
-              <a:br>
-                <a:rPr lang="en-US" altLang="ja-JP" sz="4400" dirty="0" smtClean="0"/>
-              </a:br>
-              <a:r>
-                <a:rPr lang="ja-JP" altLang="en-US" sz="4400" dirty="0" smtClean="0"/>
-                <a:t>ツール</a:t>
-              </a:r>
-              <a:r>
-                <a:rPr lang="ja-JP" altLang="en-US" sz="4400" dirty="0"/>
-                <a:t>を考案中で ある</a:t>
-              </a:r>
-              <a:r>
-                <a:rPr lang="ja-JP" altLang="en-US" sz="4400" dirty="0" smtClean="0"/>
-                <a:t>．</a:t>
-              </a:r>
-              <a:endParaRPr lang="en-US" altLang="ja-JP" sz="4400" dirty="0" smtClean="0"/>
-            </a:p>
-          </p:txBody>
-        </p:sp>
-        <p:sp>
-          <p:nvSpPr>
-            <p:cNvPr id="40" name="円/楕円 39"/>
-            <p:cNvSpPr/>
-            <p:nvPr/>
-          </p:nvSpPr>
-          <p:spPr>
-            <a:xfrm>
-              <a:off x="232371" y="20385216"/>
-              <a:ext cx="5173884" cy="2152251"/>
-            </a:xfrm>
-            <a:prstGeom prst="ellipse">
-              <a:avLst/>
-            </a:prstGeom>
-            <a:ln/>
-          </p:spPr>
-          <p:style>
-            <a:lnRef idx="1">
-              <a:schemeClr val="accent3"/>
-            </a:lnRef>
-            <a:fillRef idx="2">
-              <a:schemeClr val="accent3"/>
-            </a:fillRef>
-            <a:effectRef idx="1">
-              <a:schemeClr val="accent3"/>
-            </a:effectRef>
-            <a:fontRef idx="minor">
-              <a:schemeClr val="dk1"/>
-            </a:fontRef>
-          </p:style>
-          <p:txBody>
-            <a:bodyPr rtlCol="0" anchor="ctr"/>
-            <a:lstStyle/>
-            <a:p>
-              <a:pPr algn="ctr"/>
-              <a:r>
-                <a:rPr lang="ja-JP" altLang="en-US" sz="4800" b="1" dirty="0" smtClean="0">
-                  <a:solidFill>
-                    <a:prstClr val="black"/>
-                  </a:solidFill>
-                </a:rPr>
-                <a:t>進捗状況</a:t>
-              </a:r>
-              <a:endParaRPr lang="ja-JP" altLang="en-US" sz="4800" b="1" dirty="0">
-                <a:solidFill>
-                  <a:prstClr val="black"/>
-                </a:solidFill>
-              </a:endParaRPr>
-            </a:p>
-          </p:txBody>
-        </p:sp>
-      </p:grpSp>
+          <a:prstGeom prst="rect">
+            <a:avLst/>
+          </a:prstGeom>
+          <a:noFill/>
+        </p:spPr>
+        <p:txBody>
+          <a:bodyPr wrap="square" rtlCol="0">
+            <a:spAutoFit/>
+          </a:bodyPr>
+          <a:lstStyle/>
+          <a:p>
+            <a:r>
+              <a:rPr kumimoji="1" lang="ja-JP" altLang="en-US" b="1" dirty="0" smtClean="0"/>
+              <a:t>カバレッジレポート</a:t>
+            </a:r>
+            <a:endParaRPr kumimoji="1" lang="ja-JP" altLang="en-US" b="1" dirty="0"/>
+          </a:p>
+        </p:txBody>
+      </p:sp>
+      <p:pic>
+        <p:nvPicPr>
+          <p:cNvPr id="13" name="図 12"/>
+          <p:cNvPicPr>
+            <a:picLocks noChangeAspect="1"/>
+          </p:cNvPicPr>
+          <p:nvPr/>
+        </p:nvPicPr>
+        <p:blipFill>
+          <a:blip r:embed="rId3">
+            <a:extLst>
+              <a:ext uri="{28A0092B-C50C-407E-A947-70E740481C1C}">
+                <a14:useLocalDpi xmlns:a14="http://schemas.microsoft.com/office/drawing/2010/main" val="0"/>
+              </a:ext>
+            </a:extLst>
+          </a:blip>
+          <a:stretch>
+            <a:fillRect/>
+          </a:stretch>
+        </p:blipFill>
+        <p:spPr>
+          <a:xfrm>
+            <a:off x="13740494" y="14800563"/>
+            <a:ext cx="3554754" cy="1811379"/>
+          </a:xfrm>
+          <a:prstGeom prst="rect">
+            <a:avLst/>
+          </a:prstGeom>
+        </p:spPr>
+      </p:pic>
+      <p:sp>
+        <p:nvSpPr>
+          <p:cNvPr id="33" name="テキスト ボックス 32"/>
+          <p:cNvSpPr txBox="1"/>
+          <p:nvPr/>
+        </p:nvSpPr>
+        <p:spPr>
+          <a:xfrm>
+            <a:off x="14012651" y="14031122"/>
+            <a:ext cx="7938406" cy="769441"/>
+          </a:xfrm>
+          <a:prstGeom prst="rect">
+            <a:avLst/>
+          </a:prstGeom>
+          <a:noFill/>
+        </p:spPr>
+        <p:txBody>
+          <a:bodyPr wrap="square" rtlCol="0">
+            <a:spAutoFit/>
+          </a:bodyPr>
+          <a:lstStyle/>
+          <a:p>
+            <a:r>
+              <a:rPr lang="en-US" altLang="ja-JP" sz="4400" b="1" dirty="0" smtClean="0"/>
+              <a:t>GitHub</a:t>
+            </a:r>
+            <a:r>
+              <a:rPr lang="ja-JP" altLang="en-US" sz="4400" b="1" dirty="0" smtClean="0"/>
+              <a:t>が様々なツールと連携</a:t>
+            </a:r>
+            <a:endParaRPr kumimoji="1" lang="ja-JP" altLang="en-US" sz="4400" b="1" dirty="0"/>
+          </a:p>
+        </p:txBody>
+      </p:sp>
+      <p:pic>
+        <p:nvPicPr>
+          <p:cNvPr id="14" name="図 13"/>
+          <p:cNvPicPr>
+            <a:picLocks noChangeAspect="1"/>
+          </p:cNvPicPr>
+          <p:nvPr/>
+        </p:nvPicPr>
+        <p:blipFill>
+          <a:blip r:embed="rId4">
+            <a:extLst>
+              <a:ext uri="{28A0092B-C50C-407E-A947-70E740481C1C}">
+                <a14:useLocalDpi xmlns:a14="http://schemas.microsoft.com/office/drawing/2010/main" val="0"/>
+              </a:ext>
+            </a:extLst>
+          </a:blip>
+          <a:stretch>
+            <a:fillRect/>
+          </a:stretch>
+        </p:blipFill>
+        <p:spPr>
+          <a:xfrm>
+            <a:off x="17564161" y="14773534"/>
+            <a:ext cx="3282597" cy="2020154"/>
+          </a:xfrm>
+          <a:prstGeom prst="rect">
+            <a:avLst/>
+          </a:prstGeom>
+        </p:spPr>
+      </p:pic>
+      <p:pic>
+        <p:nvPicPr>
+          <p:cNvPr id="21" name="図 20"/>
+          <p:cNvPicPr>
+            <a:picLocks noChangeAspect="1"/>
+          </p:cNvPicPr>
+          <p:nvPr/>
+        </p:nvPicPr>
+        <p:blipFill>
+          <a:blip r:embed="rId5" cstate="print">
+            <a:extLst>
+              <a:ext uri="{28A0092B-C50C-407E-A947-70E740481C1C}">
+                <a14:useLocalDpi xmlns:a14="http://schemas.microsoft.com/office/drawing/2010/main" val="0"/>
+              </a:ext>
+            </a:extLst>
+          </a:blip>
+          <a:stretch>
+            <a:fillRect/>
+          </a:stretch>
+        </p:blipFill>
+        <p:spPr>
+          <a:xfrm>
+            <a:off x="13740494" y="17349655"/>
+            <a:ext cx="3554754" cy="1838408"/>
+          </a:xfrm>
+          <a:prstGeom prst="rect">
+            <a:avLst/>
+          </a:prstGeom>
+        </p:spPr>
+      </p:pic>
+      <p:pic>
+        <p:nvPicPr>
+          <p:cNvPr id="22" name="図 21"/>
+          <p:cNvPicPr>
+            <a:picLocks noChangeAspect="1"/>
+          </p:cNvPicPr>
+          <p:nvPr/>
+        </p:nvPicPr>
+        <p:blipFill>
+          <a:blip r:embed="rId6">
+            <a:extLst>
+              <a:ext uri="{28A0092B-C50C-407E-A947-70E740481C1C}">
+                <a14:useLocalDpi xmlns:a14="http://schemas.microsoft.com/office/drawing/2010/main" val="0"/>
+              </a:ext>
+            </a:extLst>
+          </a:blip>
+          <a:stretch>
+            <a:fillRect/>
+          </a:stretch>
+        </p:blipFill>
+        <p:spPr>
+          <a:xfrm>
+            <a:off x="17564161" y="17294243"/>
+            <a:ext cx="3552448" cy="1949232"/>
+          </a:xfrm>
+          <a:prstGeom prst="rect">
+            <a:avLst/>
+          </a:prstGeom>
+        </p:spPr>
+      </p:pic>
     </p:spTree>
     <p:extLst>
       <p:ext uri="{BB962C8B-B14F-4D97-AF65-F5344CB8AC3E}">

--- a/卒業論文/2015/石川大貴/中間審査/卒論論文＿中間審査ポスター.pptx
+++ b/卒業論文/2015/石川大貴/中間審査/卒論論文＿中間審査ポスター.pptx
@@ -3757,7 +3757,7 @@
         </p:nvSpPr>
         <p:spPr>
           <a:xfrm>
-            <a:off x="2033773" y="3031"/>
+            <a:off x="2033773" y="155431"/>
             <a:ext cx="17171687" cy="2308324"/>
           </a:xfrm>
         </p:spPr>
@@ -3809,7 +3809,7 @@
         </p:nvSpPr>
         <p:spPr>
           <a:xfrm>
-            <a:off x="3405141" y="2356728"/>
+            <a:off x="3405141" y="2547228"/>
             <a:ext cx="14428950" cy="1015663"/>
           </a:xfrm>
         </p:spPr>
@@ -3879,1091 +3879,636 @@
           </a:p>
         </p:txBody>
       </p:sp>
-      <p:sp>
-        <p:nvSpPr>
-          <p:cNvPr id="28" name="正方形/長方形 27"/>
-          <p:cNvSpPr/>
+      <p:grpSp>
+        <p:nvGrpSpPr>
+          <p:cNvPr id="19" name="グループ化 18"/>
+          <p:cNvGrpSpPr/>
           <p:nvPr/>
-        </p:nvSpPr>
-        <p:spPr>
+        </p:nvGrpSpPr>
+        <p:grpSpPr>
           <a:xfrm>
-            <a:off x="332288" y="25389535"/>
-            <a:ext cx="20883347" cy="3514467"/>
+            <a:off x="217899" y="25002389"/>
+            <a:ext cx="20997736" cy="4435013"/>
+            <a:chOff x="217899" y="24468989"/>
+            <a:chExt cx="20997736" cy="4435013"/>
           </a:xfrm>
-          <a:prstGeom prst="rect">
-            <a:avLst/>
-          </a:prstGeom>
-          <a:ln/>
-        </p:spPr>
-        <p:style>
-          <a:lnRef idx="2">
-            <a:schemeClr val="accent1"/>
-          </a:lnRef>
-          <a:fillRef idx="1">
-            <a:schemeClr val="lt1"/>
-          </a:fillRef>
-          <a:effectRef idx="0">
-            <a:schemeClr val="accent1"/>
-          </a:effectRef>
-          <a:fontRef idx="minor">
-            <a:schemeClr val="dk1"/>
-          </a:fontRef>
-        </p:style>
-        <p:txBody>
-          <a:bodyPr rtlCol="0" anchor="ctr"/>
-          <a:lstStyle/>
-          <a:p>
-            <a:pPr algn="ctr"/>
-            <a:endParaRPr lang="ja-JP" altLang="en-US">
-              <a:solidFill>
-                <a:prstClr val="black"/>
-              </a:solidFill>
-            </a:endParaRPr>
-          </a:p>
-        </p:txBody>
-      </p:sp>
-      <p:sp>
-        <p:nvSpPr>
-          <p:cNvPr id="50" name="円/楕円 49"/>
-          <p:cNvSpPr/>
-          <p:nvPr/>
-        </p:nvSpPr>
-        <p:spPr>
-          <a:xfrm>
-            <a:off x="217899" y="24468989"/>
-            <a:ext cx="4697002" cy="1841093"/>
-          </a:xfrm>
-          <a:prstGeom prst="ellipse">
-            <a:avLst/>
-          </a:prstGeom>
-          <a:ln/>
-        </p:spPr>
-        <p:style>
-          <a:lnRef idx="1">
-            <a:schemeClr val="accent3"/>
-          </a:lnRef>
-          <a:fillRef idx="2">
-            <a:schemeClr val="accent3"/>
-          </a:fillRef>
-          <a:effectRef idx="1">
-            <a:schemeClr val="accent3"/>
-          </a:effectRef>
-          <a:fontRef idx="minor">
-            <a:schemeClr val="dk1"/>
-          </a:fontRef>
-        </p:style>
-        <p:txBody>
-          <a:bodyPr rtlCol="0" anchor="ctr"/>
-          <a:lstStyle/>
-          <a:p>
-            <a:pPr algn="ctr"/>
-            <a:r>
-              <a:rPr lang="ja-JP" altLang="en-US" sz="4800" b="1" dirty="0" smtClean="0">
+        </p:grpSpPr>
+        <p:sp>
+          <p:nvSpPr>
+            <p:cNvPr id="28" name="正方形/長方形 27"/>
+            <p:cNvSpPr/>
+            <p:nvPr/>
+          </p:nvSpPr>
+          <p:spPr>
+            <a:xfrm>
+              <a:off x="332288" y="25389535"/>
+              <a:ext cx="20883347" cy="3514467"/>
+            </a:xfrm>
+            <a:prstGeom prst="rect">
+              <a:avLst/>
+            </a:prstGeom>
+            <a:ln/>
+          </p:spPr>
+          <p:style>
+            <a:lnRef idx="2">
+              <a:schemeClr val="accent1"/>
+            </a:lnRef>
+            <a:fillRef idx="1">
+              <a:schemeClr val="lt1"/>
+            </a:fillRef>
+            <a:effectRef idx="0">
+              <a:schemeClr val="accent1"/>
+            </a:effectRef>
+            <a:fontRef idx="minor">
+              <a:schemeClr val="dk1"/>
+            </a:fontRef>
+          </p:style>
+          <p:txBody>
+            <a:bodyPr rtlCol="0" anchor="ctr"/>
+            <a:lstStyle/>
+            <a:p>
+              <a:pPr algn="ctr"/>
+              <a:endParaRPr lang="ja-JP" altLang="en-US">
                 <a:solidFill>
                   <a:prstClr val="black"/>
                 </a:solidFill>
-              </a:rPr>
-              <a:t>今後の計画</a:t>
-            </a:r>
-            <a:endParaRPr lang="ja-JP" altLang="en-US" sz="4800" b="1" dirty="0">
-              <a:solidFill>
-                <a:prstClr val="black"/>
-              </a:solidFill>
-            </a:endParaRPr>
-          </a:p>
-        </p:txBody>
-      </p:sp>
-      <p:sp>
-        <p:nvSpPr>
-          <p:cNvPr id="17" name="テキスト ボックス 16"/>
-          <p:cNvSpPr txBox="1"/>
-          <p:nvPr/>
-        </p:nvSpPr>
-        <p:spPr>
-          <a:xfrm>
-            <a:off x="479949" y="26435799"/>
-            <a:ext cx="17062681" cy="2123658"/>
-          </a:xfrm>
-          <a:prstGeom prst="rect">
-            <a:avLst/>
-          </a:prstGeom>
-          <a:noFill/>
-        </p:spPr>
-        <p:txBody>
-          <a:bodyPr wrap="square" rtlCol="0">
-            <a:spAutoFit/>
-          </a:bodyPr>
-          <a:lstStyle/>
-          <a:p>
-            <a:pPr marL="571500" indent="-571500">
-              <a:buFont typeface="Arial" panose="020B0604020202020204" pitchFamily="34" charset="0"/>
-              <a:buChar char="•"/>
-            </a:pPr>
-            <a:r>
-              <a:rPr lang="ja-JP" altLang="en-US" sz="4400" dirty="0" smtClean="0"/>
-              <a:t>調査の継続を行う．</a:t>
-            </a:r>
-            <a:endParaRPr lang="en-US" altLang="ja-JP" sz="4400" dirty="0" smtClean="0"/>
-          </a:p>
-          <a:p>
-            <a:pPr marL="571500" indent="-571500">
-              <a:buFont typeface="Arial" panose="020B0604020202020204" pitchFamily="34" charset="0"/>
-              <a:buChar char="•"/>
-            </a:pPr>
-            <a:r>
-              <a:rPr lang="en-US" altLang="ja-JP" sz="4400" dirty="0" smtClean="0"/>
-              <a:t>GitHub </a:t>
-            </a:r>
-            <a:r>
-              <a:rPr lang="ja-JP" altLang="en-US" sz="4400" dirty="0"/>
-              <a:t>を活用した</a:t>
-            </a:r>
-            <a:r>
-              <a:rPr lang="ja-JP" altLang="en-US" sz="4400" dirty="0" smtClean="0"/>
-              <a:t>マネジメントツールの作成 </a:t>
-            </a:r>
-            <a:r>
-              <a:rPr lang="ja-JP" altLang="en-US" sz="4400" dirty="0"/>
-              <a:t>する． </a:t>
-            </a:r>
-            <a:endParaRPr lang="en-US" altLang="ja-JP" sz="4400" dirty="0" smtClean="0"/>
-          </a:p>
-          <a:p>
-            <a:pPr marL="571500" indent="-571500">
-              <a:buFont typeface="Arial" panose="020B0604020202020204" pitchFamily="34" charset="0"/>
-              <a:buChar char="•"/>
-            </a:pPr>
-            <a:r>
-              <a:rPr lang="ja-JP" altLang="en-US" sz="4400" dirty="0"/>
-              <a:t>作成したツールがテスト工程で活用できるか実 際に使用し検討</a:t>
-            </a:r>
-            <a:r>
-              <a:rPr lang="ja-JP" altLang="en-US" sz="4400" dirty="0" smtClean="0"/>
-              <a:t>する．</a:t>
-            </a:r>
-            <a:endParaRPr lang="en-US" altLang="ja-JP" sz="4400" dirty="0" smtClean="0"/>
-          </a:p>
-        </p:txBody>
-      </p:sp>
-      <p:sp>
-        <p:nvSpPr>
-          <p:cNvPr id="10" name="正方形/長方形 9"/>
-          <p:cNvSpPr/>
-          <p:nvPr/>
-        </p:nvSpPr>
-        <p:spPr>
-          <a:xfrm>
-            <a:off x="332289" y="4365516"/>
-            <a:ext cx="20883350" cy="3845055"/>
-          </a:xfrm>
-          <a:prstGeom prst="rect">
-            <a:avLst/>
-          </a:prstGeom>
-          <a:ln/>
-        </p:spPr>
-        <p:style>
-          <a:lnRef idx="2">
-            <a:schemeClr val="accent1"/>
-          </a:lnRef>
-          <a:fillRef idx="1">
-            <a:schemeClr val="lt1"/>
-          </a:fillRef>
-          <a:effectRef idx="0">
-            <a:schemeClr val="accent1"/>
-          </a:effectRef>
-          <a:fontRef idx="minor">
-            <a:schemeClr val="dk1"/>
-          </a:fontRef>
-        </p:style>
-        <p:txBody>
-          <a:bodyPr rtlCol="0" anchor="ctr"/>
-          <a:lstStyle/>
-          <a:p>
-            <a:pPr algn="ctr"/>
-            <a:endParaRPr lang="ja-JP" altLang="en-US" sz="4800" dirty="0">
-              <a:solidFill>
-                <a:prstClr val="black"/>
-              </a:solidFill>
-            </a:endParaRPr>
-          </a:p>
-        </p:txBody>
-      </p:sp>
-      <p:sp>
-        <p:nvSpPr>
-          <p:cNvPr id="4" name="テキスト ボックス 3"/>
-          <p:cNvSpPr txBox="1"/>
-          <p:nvPr/>
-        </p:nvSpPr>
-        <p:spPr>
-          <a:xfrm>
-            <a:off x="485015" y="5409804"/>
-            <a:ext cx="20336598" cy="2800767"/>
-          </a:xfrm>
-          <a:prstGeom prst="rect">
-            <a:avLst/>
-          </a:prstGeom>
-          <a:noFill/>
-        </p:spPr>
-        <p:txBody>
-          <a:bodyPr wrap="square" rtlCol="0">
-            <a:spAutoFit/>
-          </a:bodyPr>
-          <a:lstStyle/>
-          <a:p>
-            <a:pPr marL="571500" indent="-571500">
-              <a:buFont typeface="Arial" panose="020B0604020202020204" pitchFamily="34" charset="0"/>
-              <a:buChar char="•"/>
-            </a:pPr>
-            <a:r>
-              <a:rPr lang="ja-JP" altLang="en-US" sz="4400" dirty="0" smtClean="0"/>
-              <a:t>ソフトウェア開発の現場では，アジャイル開発が普及してきている．</a:t>
-            </a:r>
-            <a:endParaRPr lang="en-US" altLang="ja-JP" sz="4400" dirty="0" smtClean="0"/>
-          </a:p>
-          <a:p>
-            <a:pPr marL="571500" indent="-571500">
-              <a:buFont typeface="Arial" panose="020B0604020202020204" pitchFamily="34" charset="0"/>
-              <a:buChar char="•"/>
-            </a:pPr>
-            <a:r>
-              <a:rPr lang="ja-JP" altLang="en-US" sz="4400" dirty="0" smtClean="0"/>
-              <a:t>アジャイル開発では，テスト駆動開発がよく採用される．</a:t>
-            </a:r>
-            <a:endParaRPr lang="en-US" altLang="ja-JP" sz="4400" dirty="0" smtClean="0"/>
-          </a:p>
-          <a:p>
-            <a:pPr marL="571500" indent="-571500">
-              <a:buFont typeface="Arial" panose="020B0604020202020204" pitchFamily="34" charset="0"/>
-              <a:buChar char="•"/>
-            </a:pPr>
-            <a:r>
-              <a:rPr lang="ja-JP" altLang="en-US" sz="4400" dirty="0" smtClean="0"/>
-              <a:t>テストでカバレッジ</a:t>
-            </a:r>
-            <a:r>
-              <a:rPr lang="ja-JP" altLang="en-US" sz="4400" dirty="0"/>
-              <a:t>を測 定・分析すること</a:t>
-            </a:r>
-            <a:r>
-              <a:rPr lang="ja-JP" altLang="en-US" sz="4400" dirty="0" smtClean="0"/>
-              <a:t>がソフトウェアの</a:t>
-            </a:r>
-            <a:r>
-              <a:rPr lang="ja-JP" altLang="en-US" sz="4400" dirty="0" smtClean="0"/>
-              <a:t>品質向上</a:t>
-            </a:r>
-            <a:r>
-              <a:rPr lang="ja-JP" altLang="en-US" sz="4400" dirty="0"/>
-              <a:t>に</a:t>
-            </a:r>
-            <a:r>
-              <a:rPr lang="ja-JP" altLang="en-US" sz="4400" dirty="0" smtClean="0"/>
-              <a:t>大きく関わる．</a:t>
-            </a:r>
-            <a:endParaRPr lang="en-US" altLang="ja-JP" sz="4400" dirty="0"/>
-          </a:p>
-          <a:p>
-            <a:pPr marL="571500" indent="-571500">
-              <a:buFont typeface="Arial" panose="020B0604020202020204" pitchFamily="34" charset="0"/>
-              <a:buChar char="•"/>
-            </a:pPr>
-            <a:r>
-              <a:rPr lang="ja-JP" altLang="en-US" sz="4400" dirty="0" smtClean="0"/>
-              <a:t>ソフトウェア</a:t>
-            </a:r>
-            <a:r>
-              <a:rPr lang="ja-JP" altLang="en-US" sz="4400" dirty="0" smtClean="0"/>
-              <a:t>開発</a:t>
-            </a:r>
-            <a:r>
-              <a:rPr lang="ja-JP" altLang="en-US" sz="4400" dirty="0"/>
-              <a:t>の</a:t>
-            </a:r>
-            <a:r>
-              <a:rPr lang="ja-JP" altLang="en-US" sz="4400" dirty="0" smtClean="0"/>
-              <a:t>調査に，</a:t>
-            </a:r>
-            <a:r>
-              <a:rPr lang="en-US" altLang="ja-JP" sz="4400" dirty="0" smtClean="0"/>
-              <a:t>GitHub</a:t>
-            </a:r>
-            <a:r>
-              <a:rPr lang="ja-JP" altLang="en-US" sz="4400" dirty="0" smtClean="0"/>
-              <a:t>がプロジェクト数や機能数から有用である．</a:t>
-            </a:r>
-            <a:endParaRPr lang="en-US" altLang="ja-JP" sz="4400" dirty="0" smtClean="0"/>
-          </a:p>
-        </p:txBody>
-      </p:sp>
-      <p:sp>
-        <p:nvSpPr>
-          <p:cNvPr id="25" name="正方形/長方形 24"/>
-          <p:cNvSpPr/>
-          <p:nvPr/>
-        </p:nvSpPr>
-        <p:spPr>
-          <a:xfrm>
-            <a:off x="332288" y="9303016"/>
-            <a:ext cx="20883351" cy="4021780"/>
-          </a:xfrm>
-          <a:prstGeom prst="rect">
-            <a:avLst/>
-          </a:prstGeom>
-          <a:ln/>
-        </p:spPr>
-        <p:style>
-          <a:lnRef idx="2">
-            <a:schemeClr val="accent1"/>
-          </a:lnRef>
-          <a:fillRef idx="1">
-            <a:schemeClr val="lt1"/>
-          </a:fillRef>
-          <a:effectRef idx="0">
-            <a:schemeClr val="accent1"/>
-          </a:effectRef>
-          <a:fontRef idx="minor">
-            <a:schemeClr val="dk1"/>
-          </a:fontRef>
-        </p:style>
-        <p:txBody>
-          <a:bodyPr rtlCol="0" anchor="ctr"/>
-          <a:lstStyle/>
-          <a:p>
-            <a:pPr algn="ctr"/>
-            <a:endParaRPr lang="ja-JP" altLang="en-US" sz="4800" dirty="0">
-              <a:solidFill>
-                <a:prstClr val="black"/>
-              </a:solidFill>
-            </a:endParaRPr>
-          </a:p>
-        </p:txBody>
-      </p:sp>
-      <p:sp>
-        <p:nvSpPr>
-          <p:cNvPr id="12" name="テキスト ボックス 11"/>
-          <p:cNvSpPr txBox="1"/>
-          <p:nvPr/>
-        </p:nvSpPr>
-        <p:spPr>
-          <a:xfrm>
-            <a:off x="479949" y="10300404"/>
-            <a:ext cx="11059438" cy="2800767"/>
-          </a:xfrm>
-          <a:prstGeom prst="rect">
-            <a:avLst/>
-          </a:prstGeom>
-          <a:noFill/>
-        </p:spPr>
-        <p:txBody>
-          <a:bodyPr wrap="square" rtlCol="0">
-            <a:spAutoFit/>
-          </a:bodyPr>
-          <a:lstStyle/>
-          <a:p>
-            <a:pPr marL="571500" indent="-571500">
-              <a:buFont typeface="Arial" panose="020B0604020202020204" pitchFamily="34" charset="0"/>
-              <a:buChar char="•"/>
-            </a:pPr>
-            <a:r>
-              <a:rPr lang="ja-JP" altLang="en-US" sz="4400" dirty="0" smtClean="0"/>
-              <a:t>ソフトウェア開発のテスト工程を</a:t>
-            </a:r>
-            <a:r>
-              <a:rPr lang="en-US" altLang="ja-JP" sz="4400" dirty="0" smtClean="0"/>
-              <a:t>GitHub</a:t>
-            </a:r>
-            <a:r>
-              <a:rPr lang="ja-JP" altLang="en-US" sz="4400" dirty="0" smtClean="0"/>
-              <a:t>上の</a:t>
-            </a:r>
-            <a:r>
-              <a:rPr lang="en-US" altLang="ja-JP" sz="4400" dirty="0" smtClean="0"/>
-              <a:t/>
-            </a:r>
-            <a:br>
-              <a:rPr lang="en-US" altLang="ja-JP" sz="4400" dirty="0" smtClean="0"/>
-            </a:br>
-            <a:r>
-              <a:rPr lang="ja-JP" altLang="en-US" sz="4400" dirty="0" smtClean="0"/>
-              <a:t>プロジェクトで調査する．</a:t>
-            </a:r>
-            <a:endParaRPr lang="en-US" altLang="ja-JP" sz="4400" dirty="0" smtClean="0"/>
-          </a:p>
-          <a:p>
-            <a:pPr marL="571500" indent="-571500">
-              <a:buFont typeface="Arial" panose="020B0604020202020204" pitchFamily="34" charset="0"/>
-              <a:buChar char="•"/>
-            </a:pPr>
-            <a:r>
-              <a:rPr lang="ja-JP" altLang="en-US" sz="4400" dirty="0" smtClean="0"/>
-              <a:t>テスト工程で活用できる</a:t>
-            </a:r>
-            <a:r>
-              <a:rPr lang="ja-JP" altLang="en-US" sz="4400" dirty="0"/>
-              <a:t>ようなツールや</a:t>
-            </a:r>
-            <a:r>
-              <a:rPr lang="ja-JP" altLang="en-US" sz="4400" dirty="0" smtClean="0"/>
-              <a:t>技法</a:t>
-            </a:r>
-            <a:r>
-              <a:rPr lang="en-US" altLang="ja-JP" sz="4400" dirty="0" smtClean="0"/>
-              <a:t/>
-            </a:r>
-            <a:br>
-              <a:rPr lang="en-US" altLang="ja-JP" sz="4400" dirty="0" smtClean="0"/>
-            </a:br>
-            <a:r>
-              <a:rPr lang="ja-JP" altLang="en-US" sz="4400" dirty="0" smtClean="0"/>
-              <a:t>の提案する．</a:t>
-            </a:r>
-            <a:endParaRPr lang="en-US" altLang="ja-JP" sz="4400" dirty="0" smtClean="0"/>
-          </a:p>
-        </p:txBody>
-      </p:sp>
-      <p:sp>
-        <p:nvSpPr>
-          <p:cNvPr id="18" name="下矢印 17"/>
-          <p:cNvSpPr/>
-          <p:nvPr/>
-        </p:nvSpPr>
-        <p:spPr>
-          <a:xfrm rot="16200000">
-            <a:off x="11186666" y="10862981"/>
-            <a:ext cx="2602953" cy="1268646"/>
-          </a:xfrm>
-          <a:prstGeom prst="downArrow">
-            <a:avLst/>
-          </a:prstGeom>
-        </p:spPr>
-        <p:style>
-          <a:lnRef idx="1">
-            <a:schemeClr val="accent1"/>
-          </a:lnRef>
-          <a:fillRef idx="3">
-            <a:schemeClr val="accent1"/>
-          </a:fillRef>
-          <a:effectRef idx="2">
-            <a:schemeClr val="accent1"/>
-          </a:effectRef>
-          <a:fontRef idx="minor">
-            <a:schemeClr val="lt1"/>
-          </a:fontRef>
-        </p:style>
-        <p:txBody>
-          <a:bodyPr rtlCol="0" anchor="ctr"/>
-          <a:lstStyle/>
-          <a:p>
-            <a:pPr algn="ctr"/>
-            <a:endParaRPr kumimoji="1" lang="ja-JP" altLang="en-US"/>
-          </a:p>
-        </p:txBody>
-      </p:sp>
-      <p:sp>
-        <p:nvSpPr>
-          <p:cNvPr id="20" name="テキスト ボックス 19"/>
-          <p:cNvSpPr txBox="1"/>
-          <p:nvPr/>
-        </p:nvSpPr>
-        <p:spPr>
-          <a:xfrm>
-            <a:off x="14410925" y="11081805"/>
-            <a:ext cx="5516254" cy="830997"/>
-          </a:xfrm>
-          <a:prstGeom prst="rect">
-            <a:avLst/>
-          </a:prstGeom>
-          <a:noFill/>
-        </p:spPr>
-        <p:txBody>
-          <a:bodyPr wrap="square" rtlCol="0">
-            <a:spAutoFit/>
-          </a:bodyPr>
-          <a:lstStyle/>
-          <a:p>
-            <a:r>
-              <a:rPr lang="ja-JP" altLang="en-US" sz="4800" b="1" dirty="0" smtClean="0"/>
-              <a:t>テスト工程の効率</a:t>
-            </a:r>
-            <a:r>
-              <a:rPr lang="en-US" altLang="ja-JP" sz="4800" b="1" dirty="0" smtClean="0"/>
-              <a:t>UP</a:t>
-            </a:r>
-            <a:endParaRPr kumimoji="1" lang="ja-JP" altLang="en-US" sz="4800" b="1" dirty="0"/>
-          </a:p>
-        </p:txBody>
-      </p:sp>
-      <p:sp>
-        <p:nvSpPr>
-          <p:cNvPr id="26" name="正方形/長方形 25"/>
-          <p:cNvSpPr/>
-          <p:nvPr/>
-        </p:nvSpPr>
-        <p:spPr>
-          <a:xfrm>
-            <a:off x="332289" y="14370007"/>
-            <a:ext cx="13260545" cy="3381718"/>
-          </a:xfrm>
-          <a:prstGeom prst="rect">
-            <a:avLst/>
-          </a:prstGeom>
-          <a:ln/>
-        </p:spPr>
-        <p:style>
-          <a:lnRef idx="2">
-            <a:schemeClr val="accent1"/>
-          </a:lnRef>
-          <a:fillRef idx="1">
-            <a:schemeClr val="lt1"/>
-          </a:fillRef>
-          <a:effectRef idx="0">
-            <a:schemeClr val="accent1"/>
-          </a:effectRef>
-          <a:fontRef idx="minor">
-            <a:schemeClr val="dk1"/>
-          </a:fontRef>
-        </p:style>
-        <p:txBody>
-          <a:bodyPr rtlCol="0" anchor="ctr"/>
-          <a:lstStyle/>
-          <a:p>
-            <a:pPr algn="ctr"/>
-            <a:endParaRPr lang="ja-JP" altLang="en-US" sz="4800" dirty="0">
-              <a:solidFill>
-                <a:prstClr val="black"/>
-              </a:solidFill>
-            </a:endParaRPr>
-          </a:p>
-        </p:txBody>
-      </p:sp>
-      <p:sp>
-        <p:nvSpPr>
-          <p:cNvPr id="16" name="テキスト ボックス 15"/>
-          <p:cNvSpPr txBox="1"/>
-          <p:nvPr/>
-        </p:nvSpPr>
-        <p:spPr>
-          <a:xfrm>
-            <a:off x="479949" y="15447166"/>
-            <a:ext cx="13112885" cy="2123658"/>
-          </a:xfrm>
-          <a:prstGeom prst="rect">
-            <a:avLst/>
-          </a:prstGeom>
-          <a:noFill/>
-        </p:spPr>
-        <p:txBody>
-          <a:bodyPr wrap="square" rtlCol="0">
-            <a:spAutoFit/>
-          </a:bodyPr>
-          <a:lstStyle/>
-          <a:p>
-            <a:pPr marL="571500" indent="-571500">
-              <a:buFont typeface="Arial" panose="020B0604020202020204" pitchFamily="34" charset="0"/>
-              <a:buChar char="•"/>
-            </a:pPr>
-            <a:r>
-              <a:rPr lang="en-US" altLang="ja-JP" sz="4400" dirty="0" smtClean="0"/>
-              <a:t>GitHub</a:t>
-            </a:r>
-            <a:r>
-              <a:rPr lang="ja-JP" altLang="en-US" sz="4400" dirty="0"/>
-              <a:t>の</a:t>
-            </a:r>
-            <a:r>
-              <a:rPr lang="ja-JP" altLang="en-US" sz="4400" dirty="0" smtClean="0"/>
-              <a:t>機能</a:t>
-            </a:r>
-            <a:r>
-              <a:rPr lang="ja-JP" altLang="en-US" sz="4400" dirty="0"/>
-              <a:t>や</a:t>
-            </a:r>
-            <a:r>
-              <a:rPr lang="en-US" altLang="ja-JP" sz="4400" dirty="0" smtClean="0"/>
-              <a:t>API</a:t>
-            </a:r>
-            <a:r>
-              <a:rPr lang="ja-JP" altLang="en-US" sz="4400" dirty="0" err="1" smtClean="0"/>
-              <a:t>，</a:t>
-            </a:r>
-            <a:r>
-              <a:rPr lang="ja-JP" altLang="en-US" sz="4400" dirty="0" smtClean="0"/>
-              <a:t>連携できる</a:t>
-            </a:r>
-            <a:r>
-              <a:rPr lang="ja-JP" altLang="en-US" sz="4400" dirty="0"/>
-              <a:t>ツー ルを調査する．</a:t>
-            </a:r>
-            <a:endParaRPr lang="en-US" altLang="ja-JP" sz="4400" dirty="0" smtClean="0"/>
-          </a:p>
-          <a:p>
-            <a:pPr marL="571500" indent="-571500">
-              <a:buFont typeface="Arial" panose="020B0604020202020204" pitchFamily="34" charset="0"/>
-              <a:buChar char="•"/>
-            </a:pPr>
-            <a:r>
-              <a:rPr lang="en-US" altLang="ja-JP" sz="4400" dirty="0" smtClean="0"/>
-              <a:t>GitHub </a:t>
-            </a:r>
-            <a:r>
-              <a:rPr lang="ja-JP" altLang="en-US" sz="4400" dirty="0"/>
-              <a:t>上</a:t>
-            </a:r>
-            <a:r>
-              <a:rPr lang="ja-JP" altLang="en-US" sz="4400" dirty="0" smtClean="0"/>
-              <a:t>のプロジェクトでテスト工程を調査する．</a:t>
-            </a:r>
-            <a:endParaRPr lang="en-US" altLang="ja-JP" sz="4400" dirty="0" smtClean="0"/>
-          </a:p>
-          <a:p>
-            <a:pPr marL="571500" indent="-571500">
-              <a:buFont typeface="Arial" panose="020B0604020202020204" pitchFamily="34" charset="0"/>
-              <a:buChar char="•"/>
-            </a:pPr>
-            <a:r>
-              <a:rPr lang="ja-JP" altLang="en-US" sz="4400" dirty="0" smtClean="0"/>
-              <a:t>テスト</a:t>
-            </a:r>
-            <a:r>
-              <a:rPr lang="ja-JP" altLang="en-US" sz="4400" dirty="0" smtClean="0"/>
-              <a:t>工程</a:t>
-            </a:r>
-            <a:r>
-              <a:rPr lang="ja-JP" altLang="en-US" sz="4400" dirty="0" smtClean="0"/>
-              <a:t>で利用できる</a:t>
-            </a:r>
-            <a:r>
-              <a:rPr lang="ja-JP" altLang="en-US" sz="4400" dirty="0" smtClean="0"/>
-              <a:t>ツール</a:t>
-            </a:r>
-            <a:r>
-              <a:rPr lang="ja-JP" altLang="en-US" sz="4400" dirty="0"/>
-              <a:t>を作成する</a:t>
-            </a:r>
-            <a:r>
-              <a:rPr lang="ja-JP" altLang="en-US" sz="4400" dirty="0" smtClean="0"/>
-              <a:t>．</a:t>
-            </a:r>
-            <a:endParaRPr lang="ja-JP" altLang="en-US" sz="4400" dirty="0"/>
-          </a:p>
-        </p:txBody>
-      </p:sp>
-      <p:sp>
-        <p:nvSpPr>
-          <p:cNvPr id="27" name="正方形/長方形 26"/>
-          <p:cNvSpPr/>
-          <p:nvPr/>
-        </p:nvSpPr>
-        <p:spPr>
-          <a:xfrm>
-            <a:off x="332288" y="18872020"/>
-            <a:ext cx="11207100" cy="5397221"/>
-          </a:xfrm>
-          <a:prstGeom prst="rect">
-            <a:avLst/>
-          </a:prstGeom>
-          <a:ln/>
-        </p:spPr>
-        <p:style>
-          <a:lnRef idx="2">
-            <a:schemeClr val="accent1"/>
-          </a:lnRef>
-          <a:fillRef idx="1">
-            <a:schemeClr val="lt1"/>
-          </a:fillRef>
-          <a:effectRef idx="0">
-            <a:schemeClr val="accent1"/>
-          </a:effectRef>
-          <a:fontRef idx="minor">
-            <a:schemeClr val="dk1"/>
-          </a:fontRef>
-        </p:style>
-        <p:txBody>
-          <a:bodyPr rtlCol="0" anchor="ctr"/>
-          <a:lstStyle/>
-          <a:p>
-            <a:pPr algn="ctr"/>
-            <a:endParaRPr lang="ja-JP" altLang="en-US" dirty="0">
-              <a:solidFill>
-                <a:prstClr val="black"/>
-              </a:solidFill>
-            </a:endParaRPr>
-          </a:p>
-        </p:txBody>
-      </p:sp>
-      <p:sp>
-        <p:nvSpPr>
-          <p:cNvPr id="6" name="テキスト ボックス 5"/>
-          <p:cNvSpPr txBox="1"/>
-          <p:nvPr/>
-        </p:nvSpPr>
-        <p:spPr>
-          <a:xfrm>
-            <a:off x="479949" y="19921645"/>
-            <a:ext cx="10530951" cy="4154984"/>
-          </a:xfrm>
-          <a:prstGeom prst="rect">
-            <a:avLst/>
-          </a:prstGeom>
-          <a:noFill/>
-        </p:spPr>
-        <p:txBody>
-          <a:bodyPr wrap="square" rtlCol="0">
-            <a:spAutoFit/>
-          </a:bodyPr>
-          <a:lstStyle/>
-          <a:p>
-            <a:pPr marL="685800" indent="-685800">
-              <a:buFont typeface="Arial" panose="020B0604020202020204" pitchFamily="34" charset="0"/>
-              <a:buChar char="•"/>
-            </a:pPr>
-            <a:r>
-              <a:rPr lang="ja-JP" altLang="en-US" sz="4400" dirty="0" smtClean="0"/>
-              <a:t>テストコード</a:t>
-            </a:r>
-            <a:r>
-              <a:rPr lang="ja-JP" altLang="en-US" sz="4400" dirty="0"/>
-              <a:t>があるソフトウェアを調査</a:t>
-            </a:r>
-            <a:r>
-              <a:rPr lang="ja-JP" altLang="en-US" sz="4400" dirty="0" smtClean="0"/>
-              <a:t>し</a:t>
-            </a:r>
-            <a:r>
-              <a:rPr lang="ja-JP" altLang="en-US" sz="4400" dirty="0" smtClean="0"/>
-              <a:t>，</a:t>
-            </a:r>
-            <a:r>
-              <a:rPr lang="en-US" altLang="ja-JP" sz="4400" dirty="0"/>
-              <a:t/>
-            </a:r>
-            <a:br>
-              <a:rPr lang="en-US" altLang="ja-JP" sz="4400" dirty="0"/>
-            </a:br>
-            <a:r>
-              <a:rPr lang="ja-JP" altLang="en-US" sz="4400" dirty="0" smtClean="0"/>
-              <a:t>カバ </a:t>
-            </a:r>
-            <a:r>
-              <a:rPr lang="ja-JP" altLang="en-US" sz="4400" dirty="0"/>
-              <a:t>レッジ分析やコードの</a:t>
-            </a:r>
-            <a:r>
-              <a:rPr lang="ja-JP" altLang="en-US" sz="4400" dirty="0" smtClean="0"/>
-              <a:t>行数</a:t>
-            </a:r>
-            <a:r>
-              <a:rPr lang="ja-JP" altLang="en-US" sz="4400" dirty="0"/>
-              <a:t>を</a:t>
-            </a:r>
-            <a:r>
-              <a:rPr lang="ja-JP" altLang="en-US" sz="4400" dirty="0" smtClean="0"/>
-              <a:t>数える</a:t>
-            </a:r>
-            <a:r>
-              <a:rPr lang="en-US" altLang="ja-JP" sz="4400" dirty="0" smtClean="0"/>
-              <a:t/>
-            </a:r>
-            <a:br>
-              <a:rPr lang="en-US" altLang="ja-JP" sz="4400" dirty="0" smtClean="0"/>
-            </a:br>
-            <a:r>
-              <a:rPr lang="ja-JP" altLang="en-US" sz="4400" dirty="0" smtClean="0"/>
-              <a:t>こと</a:t>
-            </a:r>
-            <a:r>
-              <a:rPr lang="ja-JP" altLang="en-US" sz="4400" dirty="0"/>
-              <a:t>を行って </a:t>
-            </a:r>
-            <a:r>
-              <a:rPr lang="ja-JP" altLang="en-US" sz="4400" dirty="0" smtClean="0"/>
-              <a:t>いる．</a:t>
-            </a:r>
-            <a:endParaRPr lang="en-US" altLang="ja-JP" sz="4400" dirty="0" smtClean="0"/>
-          </a:p>
-          <a:p>
-            <a:pPr marL="685800" indent="-685800">
-              <a:buFont typeface="Arial" panose="020B0604020202020204" pitchFamily="34" charset="0"/>
-              <a:buChar char="•"/>
-            </a:pPr>
-            <a:r>
-              <a:rPr lang="en-US" altLang="ja-JP" sz="4400" dirty="0"/>
-              <a:t>GitHub </a:t>
-            </a:r>
-            <a:r>
-              <a:rPr lang="ja-JP" altLang="en-US" sz="4400" dirty="0"/>
-              <a:t>の機能や使い方を</a:t>
-            </a:r>
-            <a:r>
-              <a:rPr lang="ja-JP" altLang="en-US" sz="4400" dirty="0" smtClean="0"/>
-              <a:t>調査と </a:t>
-            </a:r>
-            <a:r>
-              <a:rPr lang="ja-JP" altLang="en-US" sz="4400" dirty="0"/>
-              <a:t>とも</a:t>
-            </a:r>
-            <a:r>
-              <a:rPr lang="ja-JP" altLang="en-US" sz="4400" dirty="0" smtClean="0"/>
-              <a:t>に</a:t>
-            </a:r>
-            <a:r>
-              <a:rPr lang="ja-JP" altLang="en-US" sz="4400" dirty="0" smtClean="0"/>
-              <a:t>，</a:t>
-            </a:r>
-            <a:r>
-              <a:rPr lang="en-US" altLang="ja-JP" sz="4400" dirty="0" smtClean="0"/>
-              <a:t/>
-            </a:r>
-            <a:br>
-              <a:rPr lang="en-US" altLang="ja-JP" sz="4400" dirty="0" smtClean="0"/>
-            </a:br>
-            <a:r>
-              <a:rPr lang="en-US" altLang="ja-JP" sz="4400" dirty="0" smtClean="0"/>
-              <a:t>GitHub </a:t>
-            </a:r>
-            <a:r>
-              <a:rPr lang="ja-JP" altLang="en-US" sz="4400" dirty="0"/>
-              <a:t>を活用した</a:t>
-            </a:r>
-            <a:r>
-              <a:rPr lang="ja-JP" altLang="en-US" sz="4400" dirty="0" smtClean="0"/>
-              <a:t>マネジメントツールを</a:t>
-            </a:r>
-            <a:r>
-              <a:rPr lang="en-US" altLang="ja-JP" sz="4400" dirty="0" smtClean="0"/>
-              <a:t/>
-            </a:r>
-            <a:br>
-              <a:rPr lang="en-US" altLang="ja-JP" sz="4400" dirty="0" smtClean="0"/>
-            </a:br>
-            <a:r>
-              <a:rPr lang="ja-JP" altLang="en-US" sz="4400" dirty="0" smtClean="0"/>
-              <a:t>考案中</a:t>
-            </a:r>
-            <a:r>
-              <a:rPr lang="ja-JP" altLang="en-US" sz="4400" dirty="0"/>
-              <a:t>で ある</a:t>
-            </a:r>
-            <a:r>
-              <a:rPr lang="ja-JP" altLang="en-US" sz="4400" dirty="0" smtClean="0"/>
-              <a:t>．</a:t>
-            </a:r>
-            <a:endParaRPr lang="en-US" altLang="ja-JP" sz="4400" dirty="0" smtClean="0"/>
-          </a:p>
-        </p:txBody>
-      </p:sp>
-      <p:sp>
-        <p:nvSpPr>
-          <p:cNvPr id="29" name="円/楕円 28"/>
-          <p:cNvSpPr/>
-          <p:nvPr/>
-        </p:nvSpPr>
-        <p:spPr>
-          <a:xfrm>
-            <a:off x="232371" y="3505494"/>
-            <a:ext cx="4697002" cy="1841093"/>
-          </a:xfrm>
-          <a:prstGeom prst="ellipse">
-            <a:avLst/>
-          </a:prstGeom>
-          <a:ln/>
-        </p:spPr>
-        <p:style>
-          <a:lnRef idx="1">
-            <a:schemeClr val="accent3"/>
-          </a:lnRef>
-          <a:fillRef idx="2">
-            <a:schemeClr val="accent3"/>
-          </a:fillRef>
-          <a:effectRef idx="1">
-            <a:schemeClr val="accent3"/>
-          </a:effectRef>
-          <a:fontRef idx="minor">
-            <a:schemeClr val="dk1"/>
-          </a:fontRef>
-        </p:style>
-        <p:txBody>
-          <a:bodyPr rtlCol="0" anchor="ctr"/>
-          <a:lstStyle/>
-          <a:p>
-            <a:pPr algn="ctr"/>
-            <a:r>
-              <a:rPr lang="ja-JP" altLang="en-US" sz="4800" b="1" dirty="0">
+              </a:endParaRPr>
+            </a:p>
+          </p:txBody>
+        </p:sp>
+        <p:sp>
+          <p:nvSpPr>
+            <p:cNvPr id="50" name="円/楕円 49"/>
+            <p:cNvSpPr/>
+            <p:nvPr/>
+          </p:nvSpPr>
+          <p:spPr>
+            <a:xfrm>
+              <a:off x="217899" y="24468989"/>
+              <a:ext cx="4697002" cy="1841093"/>
+            </a:xfrm>
+            <a:prstGeom prst="ellipse">
+              <a:avLst/>
+            </a:prstGeom>
+            <a:ln/>
+          </p:spPr>
+          <p:style>
+            <a:lnRef idx="1">
+              <a:schemeClr val="accent3"/>
+            </a:lnRef>
+            <a:fillRef idx="2">
+              <a:schemeClr val="accent3"/>
+            </a:fillRef>
+            <a:effectRef idx="1">
+              <a:schemeClr val="accent3"/>
+            </a:effectRef>
+            <a:fontRef idx="minor">
+              <a:schemeClr val="dk1"/>
+            </a:fontRef>
+          </p:style>
+          <p:txBody>
+            <a:bodyPr rtlCol="0" anchor="ctr"/>
+            <a:lstStyle/>
+            <a:p>
+              <a:pPr algn="ctr"/>
+              <a:r>
+                <a:rPr lang="ja-JP" altLang="en-US" sz="4800" b="1" dirty="0" smtClean="0">
+                  <a:solidFill>
+                    <a:prstClr val="black"/>
+                  </a:solidFill>
+                </a:rPr>
+                <a:t>今後の計画</a:t>
+              </a:r>
+              <a:endParaRPr lang="ja-JP" altLang="en-US" sz="4800" b="1" dirty="0">
                 <a:solidFill>
                   <a:prstClr val="black"/>
                 </a:solidFill>
-              </a:rPr>
-              <a:t>背景</a:t>
-            </a:r>
-            <a:endParaRPr lang="ja-JP" altLang="en-US" sz="4800" b="1" dirty="0">
-              <a:solidFill>
-                <a:prstClr val="black"/>
-              </a:solidFill>
-            </a:endParaRPr>
-          </a:p>
-        </p:txBody>
-      </p:sp>
-      <p:sp>
-        <p:nvSpPr>
-          <p:cNvPr id="30" name="円/楕円 29"/>
-          <p:cNvSpPr/>
+              </a:endParaRPr>
+            </a:p>
+          </p:txBody>
+        </p:sp>
+        <p:sp>
+          <p:nvSpPr>
+            <p:cNvPr id="17" name="テキスト ボックス 16"/>
+            <p:cNvSpPr txBox="1"/>
+            <p:nvPr/>
+          </p:nvSpPr>
+          <p:spPr>
+            <a:xfrm>
+              <a:off x="479949" y="26435799"/>
+              <a:ext cx="17062681" cy="2123658"/>
+            </a:xfrm>
+            <a:prstGeom prst="rect">
+              <a:avLst/>
+            </a:prstGeom>
+            <a:noFill/>
+          </p:spPr>
+          <p:txBody>
+            <a:bodyPr wrap="square" rtlCol="0">
+              <a:spAutoFit/>
+            </a:bodyPr>
+            <a:lstStyle/>
+            <a:p>
+              <a:pPr marL="571500" indent="-571500">
+                <a:buFont typeface="Arial" panose="020B0604020202020204" pitchFamily="34" charset="0"/>
+                <a:buChar char="•"/>
+              </a:pPr>
+              <a:r>
+                <a:rPr lang="ja-JP" altLang="en-US" sz="4400" dirty="0" smtClean="0"/>
+                <a:t>調査の継続を行う．</a:t>
+              </a:r>
+              <a:endParaRPr lang="en-US" altLang="ja-JP" sz="4400" dirty="0" smtClean="0"/>
+            </a:p>
+            <a:p>
+              <a:pPr marL="571500" indent="-571500">
+                <a:buFont typeface="Arial" panose="020B0604020202020204" pitchFamily="34" charset="0"/>
+                <a:buChar char="•"/>
+              </a:pPr>
+              <a:r>
+                <a:rPr lang="en-US" altLang="ja-JP" sz="4400" dirty="0" smtClean="0"/>
+                <a:t>GitHub </a:t>
+              </a:r>
+              <a:r>
+                <a:rPr lang="ja-JP" altLang="en-US" sz="4400" dirty="0"/>
+                <a:t>を活用した</a:t>
+              </a:r>
+              <a:r>
+                <a:rPr lang="ja-JP" altLang="en-US" sz="4400" dirty="0" smtClean="0"/>
+                <a:t>マネジメントツールの作成 </a:t>
+              </a:r>
+              <a:r>
+                <a:rPr lang="ja-JP" altLang="en-US" sz="4400" dirty="0"/>
+                <a:t>する． </a:t>
+              </a:r>
+              <a:endParaRPr lang="en-US" altLang="ja-JP" sz="4400" dirty="0" smtClean="0"/>
+            </a:p>
+            <a:p>
+              <a:pPr marL="571500" indent="-571500">
+                <a:buFont typeface="Arial" panose="020B0604020202020204" pitchFamily="34" charset="0"/>
+                <a:buChar char="•"/>
+              </a:pPr>
+              <a:r>
+                <a:rPr lang="ja-JP" altLang="en-US" sz="4400" dirty="0"/>
+                <a:t>作成したツールがテスト工程で活用できるか実 際に使用し検討</a:t>
+              </a:r>
+              <a:r>
+                <a:rPr lang="ja-JP" altLang="en-US" sz="4400" dirty="0" smtClean="0"/>
+                <a:t>する．</a:t>
+              </a:r>
+              <a:endParaRPr lang="en-US" altLang="ja-JP" sz="4400" dirty="0" smtClean="0"/>
+            </a:p>
+          </p:txBody>
+        </p:sp>
+      </p:grpSp>
+      <p:grpSp>
+        <p:nvGrpSpPr>
+          <p:cNvPr id="9" name="グループ化 8"/>
+          <p:cNvGrpSpPr/>
           <p:nvPr/>
-        </p:nvSpPr>
-        <p:spPr>
+        </p:nvGrpSpPr>
+        <p:grpSpPr>
           <a:xfrm>
-            <a:off x="217899" y="8388087"/>
-            <a:ext cx="4697002" cy="1841093"/>
+            <a:off x="232371" y="3924594"/>
+            <a:ext cx="20983268" cy="4705077"/>
+            <a:chOff x="232371" y="3505494"/>
+            <a:chExt cx="20983268" cy="4705077"/>
           </a:xfrm>
-          <a:prstGeom prst="ellipse">
-            <a:avLst/>
-          </a:prstGeom>
-          <a:ln/>
-        </p:spPr>
-        <p:style>
-          <a:lnRef idx="1">
-            <a:schemeClr val="accent3"/>
-          </a:lnRef>
-          <a:fillRef idx="2">
-            <a:schemeClr val="accent3"/>
-          </a:fillRef>
-          <a:effectRef idx="1">
-            <a:schemeClr val="accent3"/>
-          </a:effectRef>
-          <a:fontRef idx="minor">
-            <a:schemeClr val="dk1"/>
-          </a:fontRef>
-        </p:style>
-        <p:txBody>
-          <a:bodyPr rtlCol="0" anchor="ctr"/>
-          <a:lstStyle/>
-          <a:p>
-            <a:pPr algn="ctr"/>
-            <a:r>
-              <a:rPr lang="ja-JP" altLang="en-US" sz="4800" b="1" dirty="0" smtClean="0">
+        </p:grpSpPr>
+        <p:sp>
+          <p:nvSpPr>
+            <p:cNvPr id="10" name="正方形/長方形 9"/>
+            <p:cNvSpPr/>
+            <p:nvPr/>
+          </p:nvSpPr>
+          <p:spPr>
+            <a:xfrm>
+              <a:off x="332289" y="4365516"/>
+              <a:ext cx="20883350" cy="3845055"/>
+            </a:xfrm>
+            <a:prstGeom prst="rect">
+              <a:avLst/>
+            </a:prstGeom>
+            <a:ln/>
+          </p:spPr>
+          <p:style>
+            <a:lnRef idx="2">
+              <a:schemeClr val="accent1"/>
+            </a:lnRef>
+            <a:fillRef idx="1">
+              <a:schemeClr val="lt1"/>
+            </a:fillRef>
+            <a:effectRef idx="0">
+              <a:schemeClr val="accent1"/>
+            </a:effectRef>
+            <a:fontRef idx="minor">
+              <a:schemeClr val="dk1"/>
+            </a:fontRef>
+          </p:style>
+          <p:txBody>
+            <a:bodyPr rtlCol="0" anchor="ctr"/>
+            <a:lstStyle/>
+            <a:p>
+              <a:pPr algn="ctr"/>
+              <a:endParaRPr lang="ja-JP" altLang="en-US" sz="4800" dirty="0">
                 <a:solidFill>
                   <a:prstClr val="black"/>
                 </a:solidFill>
-              </a:rPr>
-              <a:t>目的</a:t>
-            </a:r>
-            <a:endParaRPr lang="ja-JP" altLang="en-US" sz="4800" b="1" dirty="0">
-              <a:solidFill>
-                <a:prstClr val="black"/>
-              </a:solidFill>
-            </a:endParaRPr>
-          </a:p>
-        </p:txBody>
-      </p:sp>
-      <p:sp>
-        <p:nvSpPr>
-          <p:cNvPr id="31" name="円/楕円 30"/>
-          <p:cNvSpPr/>
+              </a:endParaRPr>
+            </a:p>
+          </p:txBody>
+        </p:sp>
+        <p:sp>
+          <p:nvSpPr>
+            <p:cNvPr id="4" name="テキスト ボックス 3"/>
+            <p:cNvSpPr txBox="1"/>
+            <p:nvPr/>
+          </p:nvSpPr>
+          <p:spPr>
+            <a:xfrm>
+              <a:off x="485015" y="5409804"/>
+              <a:ext cx="20336598" cy="2800767"/>
+            </a:xfrm>
+            <a:prstGeom prst="rect">
+              <a:avLst/>
+            </a:prstGeom>
+            <a:noFill/>
+          </p:spPr>
+          <p:txBody>
+            <a:bodyPr wrap="square" rtlCol="0">
+              <a:spAutoFit/>
+            </a:bodyPr>
+            <a:lstStyle/>
+            <a:p>
+              <a:pPr marL="571500" indent="-571500">
+                <a:buFont typeface="Arial" panose="020B0604020202020204" pitchFamily="34" charset="0"/>
+                <a:buChar char="•"/>
+              </a:pPr>
+              <a:r>
+                <a:rPr lang="ja-JP" altLang="en-US" sz="4400" dirty="0" smtClean="0"/>
+                <a:t>ソフトウェア開発の現場では，アジャイル開発が普及してきている．</a:t>
+              </a:r>
+              <a:endParaRPr lang="en-US" altLang="ja-JP" sz="4400" dirty="0" smtClean="0"/>
+            </a:p>
+            <a:p>
+              <a:pPr marL="571500" indent="-571500">
+                <a:buFont typeface="Arial" panose="020B0604020202020204" pitchFamily="34" charset="0"/>
+                <a:buChar char="•"/>
+              </a:pPr>
+              <a:r>
+                <a:rPr lang="ja-JP" altLang="en-US" sz="4400" dirty="0" smtClean="0"/>
+                <a:t>アジャイル開発では，テスト駆動開発がよく採用される．</a:t>
+              </a:r>
+              <a:endParaRPr lang="en-US" altLang="ja-JP" sz="4400" dirty="0" smtClean="0"/>
+            </a:p>
+            <a:p>
+              <a:pPr marL="571500" indent="-571500">
+                <a:buFont typeface="Arial" panose="020B0604020202020204" pitchFamily="34" charset="0"/>
+                <a:buChar char="•"/>
+              </a:pPr>
+              <a:r>
+                <a:rPr lang="ja-JP" altLang="en-US" sz="4400" dirty="0" smtClean="0"/>
+                <a:t>テストでカバレッジ</a:t>
+              </a:r>
+              <a:r>
+                <a:rPr lang="ja-JP" altLang="en-US" sz="4400" dirty="0"/>
+                <a:t>を測 定・分析すること</a:t>
+              </a:r>
+              <a:r>
+                <a:rPr lang="ja-JP" altLang="en-US" sz="4400" dirty="0" smtClean="0"/>
+                <a:t>がソフトウェアの品質向上</a:t>
+              </a:r>
+              <a:r>
+                <a:rPr lang="ja-JP" altLang="en-US" sz="4400" dirty="0"/>
+                <a:t>に</a:t>
+              </a:r>
+              <a:r>
+                <a:rPr lang="ja-JP" altLang="en-US" sz="4400" dirty="0" smtClean="0"/>
+                <a:t>大きく関わる．</a:t>
+              </a:r>
+              <a:endParaRPr lang="en-US" altLang="ja-JP" sz="4400" dirty="0"/>
+            </a:p>
+            <a:p>
+              <a:pPr marL="571500" indent="-571500">
+                <a:buFont typeface="Arial" panose="020B0604020202020204" pitchFamily="34" charset="0"/>
+                <a:buChar char="•"/>
+              </a:pPr>
+              <a:r>
+                <a:rPr lang="ja-JP" altLang="en-US" sz="4400" dirty="0" smtClean="0"/>
+                <a:t>ソフトウェア開発</a:t>
+              </a:r>
+              <a:r>
+                <a:rPr lang="ja-JP" altLang="en-US" sz="4400" dirty="0"/>
+                <a:t>の</a:t>
+              </a:r>
+              <a:r>
+                <a:rPr lang="ja-JP" altLang="en-US" sz="4400" dirty="0" smtClean="0"/>
+                <a:t>調査に，</a:t>
+              </a:r>
+              <a:r>
+                <a:rPr lang="en-US" altLang="ja-JP" sz="4400" dirty="0" smtClean="0"/>
+                <a:t>GitHub</a:t>
+              </a:r>
+              <a:r>
+                <a:rPr lang="ja-JP" altLang="en-US" sz="4400" dirty="0" smtClean="0"/>
+                <a:t>がプロジェクト数や機能数から有用である．</a:t>
+              </a:r>
+              <a:endParaRPr lang="en-US" altLang="ja-JP" sz="4400" dirty="0" smtClean="0"/>
+            </a:p>
+          </p:txBody>
+        </p:sp>
+        <p:sp>
+          <p:nvSpPr>
+            <p:cNvPr id="29" name="円/楕円 28"/>
+            <p:cNvSpPr/>
+            <p:nvPr/>
+          </p:nvSpPr>
+          <p:spPr>
+            <a:xfrm>
+              <a:off x="232371" y="3505494"/>
+              <a:ext cx="4697002" cy="1841093"/>
+            </a:xfrm>
+            <a:prstGeom prst="ellipse">
+              <a:avLst/>
+            </a:prstGeom>
+            <a:ln/>
+          </p:spPr>
+          <p:style>
+            <a:lnRef idx="1">
+              <a:schemeClr val="accent3"/>
+            </a:lnRef>
+            <a:fillRef idx="2">
+              <a:schemeClr val="accent3"/>
+            </a:fillRef>
+            <a:effectRef idx="1">
+              <a:schemeClr val="accent3"/>
+            </a:effectRef>
+            <a:fontRef idx="minor">
+              <a:schemeClr val="dk1"/>
+            </a:fontRef>
+          </p:style>
+          <p:txBody>
+            <a:bodyPr rtlCol="0" anchor="ctr"/>
+            <a:lstStyle/>
+            <a:p>
+              <a:pPr algn="ctr"/>
+              <a:r>
+                <a:rPr lang="ja-JP" altLang="en-US" sz="4800" b="1" dirty="0">
+                  <a:solidFill>
+                    <a:prstClr val="black"/>
+                  </a:solidFill>
+                </a:rPr>
+                <a:t>背景</a:t>
+              </a:r>
+            </a:p>
+          </p:txBody>
+        </p:sp>
+      </p:grpSp>
+      <p:grpSp>
+        <p:nvGrpSpPr>
+          <p:cNvPr id="15" name="グループ化 14"/>
+          <p:cNvGrpSpPr/>
           <p:nvPr/>
-        </p:nvSpPr>
-        <p:spPr>
+        </p:nvGrpSpPr>
+        <p:grpSpPr>
           <a:xfrm>
-            <a:off x="232371" y="13496623"/>
-            <a:ext cx="4697002" cy="1841093"/>
+            <a:off x="217899" y="19009325"/>
+            <a:ext cx="11913947" cy="5634998"/>
+            <a:chOff x="217899" y="18018725"/>
+            <a:chExt cx="11913947" cy="5634998"/>
           </a:xfrm>
-          <a:prstGeom prst="ellipse">
-            <a:avLst/>
-          </a:prstGeom>
-          <a:ln/>
-        </p:spPr>
-        <p:style>
-          <a:lnRef idx="1">
-            <a:schemeClr val="accent3"/>
-          </a:lnRef>
-          <a:fillRef idx="2">
-            <a:schemeClr val="accent3"/>
-          </a:fillRef>
-          <a:effectRef idx="1">
-            <a:schemeClr val="accent3"/>
-          </a:effectRef>
-          <a:fontRef idx="minor">
-            <a:schemeClr val="dk1"/>
-          </a:fontRef>
-        </p:style>
-        <p:txBody>
-          <a:bodyPr rtlCol="0" anchor="ctr"/>
-          <a:lstStyle/>
-          <a:p>
-            <a:pPr algn="ctr"/>
-            <a:r>
-              <a:rPr lang="ja-JP" altLang="en-US" sz="4800" b="1" dirty="0">
+        </p:grpSpPr>
+        <p:sp>
+          <p:nvSpPr>
+            <p:cNvPr id="27" name="正方形/長方形 26"/>
+            <p:cNvSpPr/>
+            <p:nvPr/>
+          </p:nvSpPr>
+          <p:spPr>
+            <a:xfrm>
+              <a:off x="332288" y="18872021"/>
+              <a:ext cx="11799558" cy="4781702"/>
+            </a:xfrm>
+            <a:prstGeom prst="rect">
+              <a:avLst/>
+            </a:prstGeom>
+            <a:ln/>
+          </p:spPr>
+          <p:style>
+            <a:lnRef idx="2">
+              <a:schemeClr val="accent1"/>
+            </a:lnRef>
+            <a:fillRef idx="1">
+              <a:schemeClr val="lt1"/>
+            </a:fillRef>
+            <a:effectRef idx="0">
+              <a:schemeClr val="accent1"/>
+            </a:effectRef>
+            <a:fontRef idx="minor">
+              <a:schemeClr val="dk1"/>
+            </a:fontRef>
+          </p:style>
+          <p:txBody>
+            <a:bodyPr rtlCol="0" anchor="ctr"/>
+            <a:lstStyle/>
+            <a:p>
+              <a:pPr algn="ctr"/>
+              <a:endParaRPr lang="ja-JP" altLang="en-US" dirty="0">
                 <a:solidFill>
                   <a:prstClr val="black"/>
                 </a:solidFill>
-              </a:rPr>
-              <a:t>手法</a:t>
-            </a:r>
-            <a:endParaRPr lang="ja-JP" altLang="en-US" sz="4800" b="1" dirty="0">
-              <a:solidFill>
-                <a:prstClr val="black"/>
-              </a:solidFill>
-            </a:endParaRPr>
-          </a:p>
-        </p:txBody>
-      </p:sp>
-      <p:sp>
-        <p:nvSpPr>
-          <p:cNvPr id="32" name="円/楕円 31"/>
-          <p:cNvSpPr/>
-          <p:nvPr/>
-        </p:nvSpPr>
-        <p:spPr>
-          <a:xfrm>
-            <a:off x="217899" y="18018725"/>
-            <a:ext cx="4697002" cy="1841093"/>
-          </a:xfrm>
-          <a:prstGeom prst="ellipse">
-            <a:avLst/>
-          </a:prstGeom>
-          <a:ln/>
-        </p:spPr>
-        <p:style>
-          <a:lnRef idx="1">
-            <a:schemeClr val="accent3"/>
-          </a:lnRef>
-          <a:fillRef idx="2">
-            <a:schemeClr val="accent3"/>
-          </a:fillRef>
-          <a:effectRef idx="1">
-            <a:schemeClr val="accent3"/>
-          </a:effectRef>
-          <a:fontRef idx="minor">
-            <a:schemeClr val="dk1"/>
-          </a:fontRef>
-        </p:style>
-        <p:txBody>
-          <a:bodyPr rtlCol="0" anchor="ctr"/>
-          <a:lstStyle/>
-          <a:p>
-            <a:pPr algn="ctr"/>
-            <a:r>
-              <a:rPr lang="ja-JP" altLang="en-US" sz="4800" b="1" dirty="0" smtClean="0">
-                <a:solidFill>
-                  <a:prstClr val="black"/>
-                </a:solidFill>
-              </a:rPr>
-              <a:t>進捗</a:t>
-            </a:r>
-            <a:r>
-              <a:rPr lang="ja-JP" altLang="en-US" sz="4800" b="1" dirty="0">
-                <a:solidFill>
-                  <a:prstClr val="black"/>
-                </a:solidFill>
-              </a:rPr>
-              <a:t>状況</a:t>
-            </a:r>
-            <a:endParaRPr lang="ja-JP" altLang="en-US" sz="4800" b="1" dirty="0">
-              <a:solidFill>
-                <a:prstClr val="black"/>
-              </a:solidFill>
-            </a:endParaRPr>
-          </a:p>
-        </p:txBody>
-      </p:sp>
+              </a:endParaRPr>
+            </a:p>
+          </p:txBody>
+        </p:sp>
+        <p:sp>
+          <p:nvSpPr>
+            <p:cNvPr id="6" name="テキスト ボックス 5"/>
+            <p:cNvSpPr txBox="1"/>
+            <p:nvPr/>
+          </p:nvSpPr>
+          <p:spPr>
+            <a:xfrm>
+              <a:off x="479949" y="19921645"/>
+              <a:ext cx="11373870" cy="3477875"/>
+            </a:xfrm>
+            <a:prstGeom prst="rect">
+              <a:avLst/>
+            </a:prstGeom>
+            <a:noFill/>
+          </p:spPr>
+          <p:txBody>
+            <a:bodyPr wrap="square" rtlCol="0">
+              <a:spAutoFit/>
+            </a:bodyPr>
+            <a:lstStyle/>
+            <a:p>
+              <a:pPr marL="685800" indent="-685800">
+                <a:buFont typeface="Arial" panose="020B0604020202020204" pitchFamily="34" charset="0"/>
+                <a:buChar char="•"/>
+              </a:pPr>
+              <a:r>
+                <a:rPr lang="ja-JP" altLang="en-US" sz="4400" dirty="0" smtClean="0"/>
+                <a:t>テストコード</a:t>
+              </a:r>
+              <a:r>
+                <a:rPr lang="ja-JP" altLang="en-US" sz="4400" dirty="0"/>
+                <a:t>があるソフトウェアを調査</a:t>
+              </a:r>
+              <a:r>
+                <a:rPr lang="ja-JP" altLang="en-US" sz="4400" dirty="0" smtClean="0"/>
+                <a:t>し，</a:t>
+              </a:r>
+              <a:r>
+                <a:rPr lang="en-US" altLang="ja-JP" sz="4400" dirty="0"/>
+                <a:t/>
+              </a:r>
+              <a:br>
+                <a:rPr lang="en-US" altLang="ja-JP" sz="4400" dirty="0"/>
+              </a:br>
+              <a:r>
+                <a:rPr lang="ja-JP" altLang="en-US" sz="4400" dirty="0" smtClean="0"/>
+                <a:t>カバ </a:t>
+              </a:r>
+              <a:r>
+                <a:rPr lang="ja-JP" altLang="en-US" sz="4400" dirty="0"/>
+                <a:t>レッジ分析やコードの</a:t>
+              </a:r>
+              <a:r>
+                <a:rPr lang="ja-JP" altLang="en-US" sz="4400" dirty="0" smtClean="0"/>
+                <a:t>行数</a:t>
+              </a:r>
+              <a:r>
+                <a:rPr lang="ja-JP" altLang="en-US" sz="4400" dirty="0"/>
+                <a:t>を</a:t>
+              </a:r>
+              <a:r>
+                <a:rPr lang="ja-JP" altLang="en-US" sz="4400" dirty="0" smtClean="0"/>
+                <a:t>数えている．</a:t>
+              </a:r>
+              <a:endParaRPr lang="en-US" altLang="ja-JP" sz="4400" dirty="0" smtClean="0"/>
+            </a:p>
+            <a:p>
+              <a:pPr marL="685800" indent="-685800">
+                <a:buFont typeface="Arial" panose="020B0604020202020204" pitchFamily="34" charset="0"/>
+                <a:buChar char="•"/>
+              </a:pPr>
+              <a:r>
+                <a:rPr lang="en-US" altLang="ja-JP" sz="4400" dirty="0"/>
+                <a:t>GitHub </a:t>
+              </a:r>
+              <a:r>
+                <a:rPr lang="ja-JP" altLang="en-US" sz="4400" dirty="0"/>
+                <a:t>の機能や使い方を</a:t>
+              </a:r>
+              <a:r>
+                <a:rPr lang="ja-JP" altLang="en-US" sz="4400" dirty="0" smtClean="0"/>
+                <a:t>調査と </a:t>
+              </a:r>
+              <a:r>
+                <a:rPr lang="ja-JP" altLang="en-US" sz="4400" dirty="0"/>
+                <a:t>とも</a:t>
+              </a:r>
+              <a:r>
+                <a:rPr lang="ja-JP" altLang="en-US" sz="4400" dirty="0" smtClean="0"/>
+                <a:t>に，</a:t>
+              </a:r>
+              <a:r>
+                <a:rPr lang="en-US" altLang="ja-JP" sz="4400" dirty="0" smtClean="0"/>
+                <a:t/>
+              </a:r>
+              <a:br>
+                <a:rPr lang="en-US" altLang="ja-JP" sz="4400" dirty="0" smtClean="0"/>
+              </a:br>
+              <a:r>
+                <a:rPr lang="en-US" altLang="ja-JP" sz="4400" dirty="0" smtClean="0"/>
+                <a:t>GitHub </a:t>
+              </a:r>
+              <a:r>
+                <a:rPr lang="ja-JP" altLang="en-US" sz="4400" dirty="0"/>
+                <a:t>を活用した</a:t>
+              </a:r>
+              <a:r>
+                <a:rPr lang="ja-JP" altLang="en-US" sz="4400" dirty="0" smtClean="0"/>
+                <a:t>マネジメントツールを</a:t>
+              </a:r>
+              <a:r>
+                <a:rPr lang="en-US" altLang="ja-JP" sz="4400" dirty="0" smtClean="0"/>
+                <a:t/>
+              </a:r>
+              <a:br>
+                <a:rPr lang="en-US" altLang="ja-JP" sz="4400" dirty="0" smtClean="0"/>
+              </a:br>
+              <a:r>
+                <a:rPr lang="ja-JP" altLang="en-US" sz="4400" dirty="0" smtClean="0"/>
+                <a:t>考案中</a:t>
+              </a:r>
+              <a:r>
+                <a:rPr lang="ja-JP" altLang="en-US" sz="4400" dirty="0"/>
+                <a:t>で ある</a:t>
+              </a:r>
+              <a:r>
+                <a:rPr lang="ja-JP" altLang="en-US" sz="4400" dirty="0" smtClean="0"/>
+                <a:t>．</a:t>
+              </a:r>
+              <a:endParaRPr lang="en-US" altLang="ja-JP" sz="4400" dirty="0" smtClean="0"/>
+            </a:p>
+          </p:txBody>
+        </p:sp>
+        <p:sp>
+          <p:nvSpPr>
+            <p:cNvPr id="32" name="円/楕円 31"/>
+            <p:cNvSpPr/>
+            <p:nvPr/>
+          </p:nvSpPr>
+          <p:spPr>
+            <a:xfrm>
+              <a:off x="217899" y="18018725"/>
+              <a:ext cx="4697002" cy="1841093"/>
+            </a:xfrm>
+            <a:prstGeom prst="ellipse">
+              <a:avLst/>
+            </a:prstGeom>
+            <a:ln/>
+          </p:spPr>
+          <p:style>
+            <a:lnRef idx="1">
+              <a:schemeClr val="accent3"/>
+            </a:lnRef>
+            <a:fillRef idx="2">
+              <a:schemeClr val="accent3"/>
+            </a:fillRef>
+            <a:effectRef idx="1">
+              <a:schemeClr val="accent3"/>
+            </a:effectRef>
+            <a:fontRef idx="minor">
+              <a:schemeClr val="dk1"/>
+            </a:fontRef>
+          </p:style>
+          <p:txBody>
+            <a:bodyPr rtlCol="0" anchor="ctr"/>
+            <a:lstStyle/>
+            <a:p>
+              <a:pPr algn="ctr"/>
+              <a:r>
+                <a:rPr lang="ja-JP" altLang="en-US" sz="4800" b="1" dirty="0" smtClean="0">
+                  <a:solidFill>
+                    <a:prstClr val="black"/>
+                  </a:solidFill>
+                </a:rPr>
+                <a:t>進捗</a:t>
+              </a:r>
+              <a:r>
+                <a:rPr lang="ja-JP" altLang="en-US" sz="4800" b="1" dirty="0">
+                  <a:solidFill>
+                    <a:prstClr val="black"/>
+                  </a:solidFill>
+                </a:rPr>
+                <a:t>状況</a:t>
+              </a:r>
+            </a:p>
+          </p:txBody>
+        </p:sp>
+      </p:grpSp>
       <p:pic>
         <p:nvPicPr>
           <p:cNvPr id="5" name="図 4"/>
@@ -4986,8 +4531,8 @@
         </p:blipFill>
         <p:spPr>
           <a:xfrm>
-            <a:off x="11853819" y="21156620"/>
-            <a:ext cx="9134327" cy="3110937"/>
+            <a:off x="12421929" y="22256735"/>
+            <a:ext cx="8856300" cy="3110937"/>
           </a:xfrm>
           <a:prstGeom prst="rect">
             <a:avLst/>
@@ -5007,7 +4552,7 @@
         </p:nvSpPr>
         <p:spPr>
           <a:xfrm>
-            <a:off x="11853819" y="20080833"/>
+            <a:off x="12421929" y="21187935"/>
             <a:ext cx="6128035" cy="843436"/>
           </a:xfrm>
           <a:prstGeom prst="rect">
@@ -5029,160 +4574,669 @@
           </a:p>
         </p:txBody>
       </p:sp>
-      <p:pic>
-        <p:nvPicPr>
-          <p:cNvPr id="13" name="図 12"/>
-          <p:cNvPicPr>
-            <a:picLocks noChangeAspect="1"/>
-          </p:cNvPicPr>
+      <p:grpSp>
+        <p:nvGrpSpPr>
+          <p:cNvPr id="23" name="グループ化 22"/>
+          <p:cNvGrpSpPr/>
           <p:nvPr/>
-        </p:nvPicPr>
-        <p:blipFill>
-          <a:blip r:embed="rId3">
-            <a:extLst>
-              <a:ext uri="{28A0092B-C50C-407E-A947-70E740481C1C}">
-                <a14:useLocalDpi xmlns:a14="http://schemas.microsoft.com/office/drawing/2010/main" val="0"/>
-              </a:ext>
-            </a:extLst>
-          </a:blip>
-          <a:stretch>
-            <a:fillRect/>
-          </a:stretch>
-        </p:blipFill>
-        <p:spPr>
+        </p:nvGrpSpPr>
+        <p:grpSpPr>
           <a:xfrm>
-            <a:off x="13740494" y="14800563"/>
-            <a:ext cx="3554754" cy="1811379"/>
+            <a:off x="217899" y="8959587"/>
+            <a:ext cx="20997740" cy="4936709"/>
+            <a:chOff x="217899" y="9111987"/>
+            <a:chExt cx="20997740" cy="4936709"/>
           </a:xfrm>
-          <a:prstGeom prst="rect">
-            <a:avLst/>
-          </a:prstGeom>
-        </p:spPr>
-      </p:pic>
-      <p:sp>
-        <p:nvSpPr>
-          <p:cNvPr id="33" name="テキスト ボックス 32"/>
-          <p:cNvSpPr txBox="1"/>
+        </p:grpSpPr>
+        <p:sp>
+          <p:nvSpPr>
+            <p:cNvPr id="25" name="正方形/長方形 24"/>
+            <p:cNvSpPr/>
+            <p:nvPr/>
+          </p:nvSpPr>
+          <p:spPr>
+            <a:xfrm>
+              <a:off x="332288" y="10026916"/>
+              <a:ext cx="20883351" cy="4021780"/>
+            </a:xfrm>
+            <a:prstGeom prst="rect">
+              <a:avLst/>
+            </a:prstGeom>
+            <a:ln/>
+          </p:spPr>
+          <p:style>
+            <a:lnRef idx="2">
+              <a:schemeClr val="accent1"/>
+            </a:lnRef>
+            <a:fillRef idx="1">
+              <a:schemeClr val="lt1"/>
+            </a:fillRef>
+            <a:effectRef idx="0">
+              <a:schemeClr val="accent1"/>
+            </a:effectRef>
+            <a:fontRef idx="minor">
+              <a:schemeClr val="dk1"/>
+            </a:fontRef>
+          </p:style>
+          <p:txBody>
+            <a:bodyPr rtlCol="0" anchor="ctr"/>
+            <a:lstStyle/>
+            <a:p>
+              <a:pPr algn="ctr"/>
+              <a:endParaRPr lang="ja-JP" altLang="en-US" sz="4800" dirty="0">
+                <a:solidFill>
+                  <a:prstClr val="black"/>
+                </a:solidFill>
+              </a:endParaRPr>
+            </a:p>
+          </p:txBody>
+        </p:sp>
+        <p:sp>
+          <p:nvSpPr>
+            <p:cNvPr id="12" name="テキスト ボックス 11"/>
+            <p:cNvSpPr txBox="1"/>
+            <p:nvPr/>
+          </p:nvSpPr>
+          <p:spPr>
+            <a:xfrm>
+              <a:off x="479949" y="11024304"/>
+              <a:ext cx="11059438" cy="2800767"/>
+            </a:xfrm>
+            <a:prstGeom prst="rect">
+              <a:avLst/>
+            </a:prstGeom>
+            <a:noFill/>
+          </p:spPr>
+          <p:txBody>
+            <a:bodyPr wrap="square" rtlCol="0">
+              <a:spAutoFit/>
+            </a:bodyPr>
+            <a:lstStyle/>
+            <a:p>
+              <a:pPr marL="571500" indent="-571500">
+                <a:buFont typeface="Arial" panose="020B0604020202020204" pitchFamily="34" charset="0"/>
+                <a:buChar char="•"/>
+              </a:pPr>
+              <a:r>
+                <a:rPr lang="ja-JP" altLang="en-US" sz="4400" dirty="0" smtClean="0"/>
+                <a:t>ソフトウェア開発のテスト工程を</a:t>
+              </a:r>
+              <a:r>
+                <a:rPr lang="en-US" altLang="ja-JP" sz="4400" dirty="0" smtClean="0"/>
+                <a:t>GitHub</a:t>
+              </a:r>
+              <a:r>
+                <a:rPr lang="ja-JP" altLang="en-US" sz="4400" dirty="0" smtClean="0"/>
+                <a:t>上の</a:t>
+              </a:r>
+              <a:r>
+                <a:rPr lang="en-US" altLang="ja-JP" sz="4400" dirty="0" smtClean="0"/>
+                <a:t/>
+              </a:r>
+              <a:br>
+                <a:rPr lang="en-US" altLang="ja-JP" sz="4400" dirty="0" smtClean="0"/>
+              </a:br>
+              <a:r>
+                <a:rPr lang="ja-JP" altLang="en-US" sz="4400" dirty="0" smtClean="0"/>
+                <a:t>プロジェクトで調査する．</a:t>
+              </a:r>
+              <a:endParaRPr lang="en-US" altLang="ja-JP" sz="4400" dirty="0" smtClean="0"/>
+            </a:p>
+            <a:p>
+              <a:pPr marL="571500" indent="-571500">
+                <a:buFont typeface="Arial" panose="020B0604020202020204" pitchFamily="34" charset="0"/>
+                <a:buChar char="•"/>
+              </a:pPr>
+              <a:r>
+                <a:rPr lang="ja-JP" altLang="en-US" sz="4400" dirty="0" smtClean="0"/>
+                <a:t>テスト工程で活用できる</a:t>
+              </a:r>
+              <a:r>
+                <a:rPr lang="ja-JP" altLang="en-US" sz="4400" dirty="0"/>
+                <a:t>ようなツールや</a:t>
+              </a:r>
+              <a:r>
+                <a:rPr lang="ja-JP" altLang="en-US" sz="4400" dirty="0" smtClean="0"/>
+                <a:t>技法</a:t>
+              </a:r>
+              <a:r>
+                <a:rPr lang="en-US" altLang="ja-JP" sz="4400" dirty="0" smtClean="0"/>
+                <a:t/>
+              </a:r>
+              <a:br>
+                <a:rPr lang="en-US" altLang="ja-JP" sz="4400" dirty="0" smtClean="0"/>
+              </a:br>
+              <a:r>
+                <a:rPr lang="ja-JP" altLang="en-US" sz="4400" dirty="0" smtClean="0"/>
+                <a:t>の提案する．</a:t>
+              </a:r>
+              <a:endParaRPr lang="en-US" altLang="ja-JP" sz="4400" dirty="0" smtClean="0"/>
+            </a:p>
+          </p:txBody>
+        </p:sp>
+        <p:sp>
+          <p:nvSpPr>
+            <p:cNvPr id="18" name="下矢印 17"/>
+            <p:cNvSpPr/>
+            <p:nvPr/>
+          </p:nvSpPr>
+          <p:spPr>
+            <a:xfrm rot="16200000">
+              <a:off x="11186666" y="11586881"/>
+              <a:ext cx="2602953" cy="1268646"/>
+            </a:xfrm>
+            <a:prstGeom prst="downArrow">
+              <a:avLst/>
+            </a:prstGeom>
+          </p:spPr>
+          <p:style>
+            <a:lnRef idx="1">
+              <a:schemeClr val="accent1"/>
+            </a:lnRef>
+            <a:fillRef idx="3">
+              <a:schemeClr val="accent1"/>
+            </a:fillRef>
+            <a:effectRef idx="2">
+              <a:schemeClr val="accent1"/>
+            </a:effectRef>
+            <a:fontRef idx="minor">
+              <a:schemeClr val="lt1"/>
+            </a:fontRef>
+          </p:style>
+          <p:txBody>
+            <a:bodyPr rtlCol="0" anchor="ctr"/>
+            <a:lstStyle/>
+            <a:p>
+              <a:pPr algn="ctr"/>
+              <a:endParaRPr kumimoji="1" lang="ja-JP" altLang="en-US"/>
+            </a:p>
+          </p:txBody>
+        </p:sp>
+        <p:sp>
+          <p:nvSpPr>
+            <p:cNvPr id="20" name="テキスト ボックス 19"/>
+            <p:cNvSpPr txBox="1"/>
+            <p:nvPr/>
+          </p:nvSpPr>
+          <p:spPr>
+            <a:xfrm>
+              <a:off x="14410925" y="11805705"/>
+              <a:ext cx="5516254" cy="830997"/>
+            </a:xfrm>
+            <a:prstGeom prst="rect">
+              <a:avLst/>
+            </a:prstGeom>
+            <a:noFill/>
+          </p:spPr>
+          <p:txBody>
+            <a:bodyPr wrap="square" rtlCol="0">
+              <a:spAutoFit/>
+            </a:bodyPr>
+            <a:lstStyle/>
+            <a:p>
+              <a:r>
+                <a:rPr lang="ja-JP" altLang="en-US" sz="4800" b="1" dirty="0" smtClean="0"/>
+                <a:t>テスト工程の効率</a:t>
+              </a:r>
+              <a:r>
+                <a:rPr lang="en-US" altLang="ja-JP" sz="4800" b="1" dirty="0" smtClean="0"/>
+                <a:t>UP</a:t>
+              </a:r>
+              <a:endParaRPr kumimoji="1" lang="ja-JP" altLang="en-US" sz="4800" b="1" dirty="0"/>
+            </a:p>
+          </p:txBody>
+        </p:sp>
+        <p:sp>
+          <p:nvSpPr>
+            <p:cNvPr id="30" name="円/楕円 29"/>
+            <p:cNvSpPr/>
+            <p:nvPr/>
+          </p:nvSpPr>
+          <p:spPr>
+            <a:xfrm>
+              <a:off x="217899" y="9111987"/>
+              <a:ext cx="4697002" cy="1841093"/>
+            </a:xfrm>
+            <a:prstGeom prst="ellipse">
+              <a:avLst/>
+            </a:prstGeom>
+            <a:ln/>
+          </p:spPr>
+          <p:style>
+            <a:lnRef idx="1">
+              <a:schemeClr val="accent3"/>
+            </a:lnRef>
+            <a:fillRef idx="2">
+              <a:schemeClr val="accent3"/>
+            </a:fillRef>
+            <a:effectRef idx="1">
+              <a:schemeClr val="accent3"/>
+            </a:effectRef>
+            <a:fontRef idx="minor">
+              <a:schemeClr val="dk1"/>
+            </a:fontRef>
+          </p:style>
+          <p:txBody>
+            <a:bodyPr rtlCol="0" anchor="ctr"/>
+            <a:lstStyle/>
+            <a:p>
+              <a:pPr algn="ctr"/>
+              <a:r>
+                <a:rPr lang="ja-JP" altLang="en-US" sz="4800" b="1" dirty="0" smtClean="0">
+                  <a:solidFill>
+                    <a:prstClr val="black"/>
+                  </a:solidFill>
+                </a:rPr>
+                <a:t>目的</a:t>
+              </a:r>
+              <a:endParaRPr lang="ja-JP" altLang="en-US" sz="4800" b="1" dirty="0">
+                <a:solidFill>
+                  <a:prstClr val="black"/>
+                </a:solidFill>
+              </a:endParaRPr>
+            </a:p>
+          </p:txBody>
+        </p:sp>
+      </p:grpSp>
+      <p:grpSp>
+        <p:nvGrpSpPr>
+          <p:cNvPr id="24" name="グループ化 23"/>
+          <p:cNvGrpSpPr/>
           <p:nvPr/>
-        </p:nvSpPr>
-        <p:spPr>
+        </p:nvGrpSpPr>
+        <p:grpSpPr>
           <a:xfrm>
-            <a:off x="14012651" y="14031122"/>
-            <a:ext cx="7938406" cy="769441"/>
+            <a:off x="232371" y="14258623"/>
+            <a:ext cx="13360463" cy="4407502"/>
+            <a:chOff x="232371" y="14220523"/>
+            <a:chExt cx="13360463" cy="4407502"/>
           </a:xfrm>
-          <a:prstGeom prst="rect">
-            <a:avLst/>
-          </a:prstGeom>
-          <a:noFill/>
-        </p:spPr>
-        <p:txBody>
-          <a:bodyPr wrap="square" rtlCol="0">
-            <a:spAutoFit/>
-          </a:bodyPr>
-          <a:lstStyle/>
-          <a:p>
-            <a:r>
-              <a:rPr lang="en-US" altLang="ja-JP" sz="4400" b="1" dirty="0" smtClean="0"/>
-              <a:t>GitHub</a:t>
-            </a:r>
-            <a:r>
-              <a:rPr lang="ja-JP" altLang="en-US" sz="4400" b="1" dirty="0" smtClean="0"/>
-              <a:t>が様々なツールと連携</a:t>
-            </a:r>
-            <a:endParaRPr kumimoji="1" lang="ja-JP" altLang="en-US" sz="4400" b="1" dirty="0"/>
-          </a:p>
-        </p:txBody>
-      </p:sp>
-      <p:pic>
-        <p:nvPicPr>
-          <p:cNvPr id="14" name="図 13"/>
-          <p:cNvPicPr>
-            <a:picLocks noChangeAspect="1"/>
-          </p:cNvPicPr>
+        </p:grpSpPr>
+        <p:grpSp>
+          <p:nvGrpSpPr>
+            <p:cNvPr id="11" name="グループ化 10"/>
+            <p:cNvGrpSpPr/>
+            <p:nvPr/>
+          </p:nvGrpSpPr>
+          <p:grpSpPr>
+            <a:xfrm>
+              <a:off x="332289" y="15246307"/>
+              <a:ext cx="13260545" cy="3381718"/>
+              <a:chOff x="332289" y="14370007"/>
+              <a:chExt cx="13260545" cy="3381718"/>
+            </a:xfrm>
+          </p:grpSpPr>
+          <p:sp>
+            <p:nvSpPr>
+              <p:cNvPr id="26" name="正方形/長方形 25"/>
+              <p:cNvSpPr/>
+              <p:nvPr/>
+            </p:nvSpPr>
+            <p:spPr>
+              <a:xfrm>
+                <a:off x="332289" y="14370007"/>
+                <a:ext cx="13260545" cy="3381718"/>
+              </a:xfrm>
+              <a:prstGeom prst="rect">
+                <a:avLst/>
+              </a:prstGeom>
+              <a:ln/>
+            </p:spPr>
+            <p:style>
+              <a:lnRef idx="2">
+                <a:schemeClr val="accent1"/>
+              </a:lnRef>
+              <a:fillRef idx="1">
+                <a:schemeClr val="lt1"/>
+              </a:fillRef>
+              <a:effectRef idx="0">
+                <a:schemeClr val="accent1"/>
+              </a:effectRef>
+              <a:fontRef idx="minor">
+                <a:schemeClr val="dk1"/>
+              </a:fontRef>
+            </p:style>
+            <p:txBody>
+              <a:bodyPr rtlCol="0" anchor="ctr"/>
+              <a:lstStyle/>
+              <a:p>
+                <a:pPr algn="ctr"/>
+                <a:endParaRPr lang="ja-JP" altLang="en-US" sz="4800" dirty="0">
+                  <a:solidFill>
+                    <a:prstClr val="black"/>
+                  </a:solidFill>
+                </a:endParaRPr>
+              </a:p>
+            </p:txBody>
+          </p:sp>
+          <p:sp>
+            <p:nvSpPr>
+              <p:cNvPr id="16" name="テキスト ボックス 15"/>
+              <p:cNvSpPr txBox="1"/>
+              <p:nvPr/>
+            </p:nvSpPr>
+            <p:spPr>
+              <a:xfrm>
+                <a:off x="479949" y="15447166"/>
+                <a:ext cx="13112885" cy="2123658"/>
+              </a:xfrm>
+              <a:prstGeom prst="rect">
+                <a:avLst/>
+              </a:prstGeom>
+              <a:noFill/>
+            </p:spPr>
+            <p:txBody>
+              <a:bodyPr wrap="square" rtlCol="0">
+                <a:spAutoFit/>
+              </a:bodyPr>
+              <a:lstStyle/>
+              <a:p>
+                <a:pPr marL="571500" indent="-571500">
+                  <a:buFont typeface="Arial" panose="020B0604020202020204" pitchFamily="34" charset="0"/>
+                  <a:buChar char="•"/>
+                </a:pPr>
+                <a:r>
+                  <a:rPr lang="en-US" altLang="ja-JP" sz="4400" dirty="0" smtClean="0"/>
+                  <a:t>GitHub</a:t>
+                </a:r>
+                <a:r>
+                  <a:rPr lang="ja-JP" altLang="en-US" sz="4400" dirty="0"/>
+                  <a:t>の</a:t>
+                </a:r>
+                <a:r>
+                  <a:rPr lang="ja-JP" altLang="en-US" sz="4400" dirty="0" smtClean="0"/>
+                  <a:t>機能</a:t>
+                </a:r>
+                <a:r>
+                  <a:rPr lang="ja-JP" altLang="en-US" sz="4400" dirty="0"/>
+                  <a:t>や</a:t>
+                </a:r>
+                <a:r>
+                  <a:rPr lang="en-US" altLang="ja-JP" sz="4400" dirty="0" smtClean="0"/>
+                  <a:t>API</a:t>
+                </a:r>
+                <a:r>
+                  <a:rPr lang="ja-JP" altLang="en-US" sz="4400" dirty="0" err="1" smtClean="0"/>
+                  <a:t>，</a:t>
+                </a:r>
+                <a:r>
+                  <a:rPr lang="ja-JP" altLang="en-US" sz="4400" dirty="0" smtClean="0"/>
+                  <a:t>連携できる</a:t>
+                </a:r>
+                <a:r>
+                  <a:rPr lang="ja-JP" altLang="en-US" sz="4400" dirty="0"/>
+                  <a:t>ツー ルを調査する．</a:t>
+                </a:r>
+                <a:endParaRPr lang="en-US" altLang="ja-JP" sz="4400" dirty="0" smtClean="0"/>
+              </a:p>
+              <a:p>
+                <a:pPr marL="571500" indent="-571500">
+                  <a:buFont typeface="Arial" panose="020B0604020202020204" pitchFamily="34" charset="0"/>
+                  <a:buChar char="•"/>
+                </a:pPr>
+                <a:r>
+                  <a:rPr lang="en-US" altLang="ja-JP" sz="4400" dirty="0" smtClean="0"/>
+                  <a:t>GitHub </a:t>
+                </a:r>
+                <a:r>
+                  <a:rPr lang="ja-JP" altLang="en-US" sz="4400" dirty="0"/>
+                  <a:t>上</a:t>
+                </a:r>
+                <a:r>
+                  <a:rPr lang="ja-JP" altLang="en-US" sz="4400" dirty="0" smtClean="0"/>
+                  <a:t>のプロジェクトでテスト工程を調査する．</a:t>
+                </a:r>
+                <a:endParaRPr lang="en-US" altLang="ja-JP" sz="4400" dirty="0" smtClean="0"/>
+              </a:p>
+              <a:p>
+                <a:pPr marL="571500" indent="-571500">
+                  <a:buFont typeface="Arial" panose="020B0604020202020204" pitchFamily="34" charset="0"/>
+                  <a:buChar char="•"/>
+                </a:pPr>
+                <a:r>
+                  <a:rPr lang="ja-JP" altLang="en-US" sz="4400" dirty="0" smtClean="0"/>
+                  <a:t>テスト工程で利用できるツール</a:t>
+                </a:r>
+                <a:r>
+                  <a:rPr lang="ja-JP" altLang="en-US" sz="4400" dirty="0"/>
+                  <a:t>を作成する</a:t>
+                </a:r>
+                <a:r>
+                  <a:rPr lang="ja-JP" altLang="en-US" sz="4400" dirty="0" smtClean="0"/>
+                  <a:t>．</a:t>
+                </a:r>
+                <a:endParaRPr lang="ja-JP" altLang="en-US" sz="4400" dirty="0"/>
+              </a:p>
+            </p:txBody>
+          </p:sp>
+        </p:grpSp>
+        <p:sp>
+          <p:nvSpPr>
+            <p:cNvPr id="31" name="円/楕円 30"/>
+            <p:cNvSpPr/>
+            <p:nvPr/>
+          </p:nvSpPr>
+          <p:spPr>
+            <a:xfrm>
+              <a:off x="232371" y="14220523"/>
+              <a:ext cx="4697002" cy="1841093"/>
+            </a:xfrm>
+            <a:prstGeom prst="ellipse">
+              <a:avLst/>
+            </a:prstGeom>
+            <a:ln/>
+          </p:spPr>
+          <p:style>
+            <a:lnRef idx="1">
+              <a:schemeClr val="accent3"/>
+            </a:lnRef>
+            <a:fillRef idx="2">
+              <a:schemeClr val="accent3"/>
+            </a:fillRef>
+            <a:effectRef idx="1">
+              <a:schemeClr val="accent3"/>
+            </a:effectRef>
+            <a:fontRef idx="minor">
+              <a:schemeClr val="dk1"/>
+            </a:fontRef>
+          </p:style>
+          <p:txBody>
+            <a:bodyPr rtlCol="0" anchor="ctr"/>
+            <a:lstStyle/>
+            <a:p>
+              <a:pPr algn="ctr"/>
+              <a:r>
+                <a:rPr lang="ja-JP" altLang="en-US" sz="4800" b="1" dirty="0">
+                  <a:solidFill>
+                    <a:prstClr val="black"/>
+                  </a:solidFill>
+                </a:rPr>
+                <a:t>手法</a:t>
+              </a:r>
+            </a:p>
+          </p:txBody>
+        </p:sp>
+      </p:grpSp>
+      <p:grpSp>
+        <p:nvGrpSpPr>
+          <p:cNvPr id="34" name="グループ化 33"/>
+          <p:cNvGrpSpPr/>
           <p:nvPr/>
-        </p:nvPicPr>
-        <p:blipFill>
-          <a:blip r:embed="rId4">
-            <a:extLst>
-              <a:ext uri="{28A0092B-C50C-407E-A947-70E740481C1C}">
-                <a14:useLocalDpi xmlns:a14="http://schemas.microsoft.com/office/drawing/2010/main" val="0"/>
-              </a:ext>
-            </a:extLst>
-          </a:blip>
-          <a:stretch>
-            <a:fillRect/>
-          </a:stretch>
-        </p:blipFill>
-        <p:spPr>
+        </p:nvGrpSpPr>
+        <p:grpSpPr>
           <a:xfrm>
-            <a:off x="17564161" y="14773534"/>
-            <a:ext cx="3282597" cy="2020154"/>
+            <a:off x="13740494" y="14260861"/>
+            <a:ext cx="7938406" cy="6125592"/>
+            <a:chOff x="13740494" y="13803661"/>
+            <a:chExt cx="7938406" cy="6125592"/>
           </a:xfrm>
-          <a:prstGeom prst="rect">
-            <a:avLst/>
-          </a:prstGeom>
-        </p:spPr>
-      </p:pic>
-      <p:pic>
-        <p:nvPicPr>
-          <p:cNvPr id="21" name="図 20"/>
-          <p:cNvPicPr>
-            <a:picLocks noChangeAspect="1"/>
-          </p:cNvPicPr>
-          <p:nvPr/>
-        </p:nvPicPr>
-        <p:blipFill>
-          <a:blip r:embed="rId5" cstate="print">
-            <a:extLst>
-              <a:ext uri="{28A0092B-C50C-407E-A947-70E740481C1C}">
-                <a14:useLocalDpi xmlns:a14="http://schemas.microsoft.com/office/drawing/2010/main" val="0"/>
-              </a:ext>
-            </a:extLst>
-          </a:blip>
-          <a:stretch>
-            <a:fillRect/>
-          </a:stretch>
-        </p:blipFill>
-        <p:spPr>
-          <a:xfrm>
-            <a:off x="13740494" y="17349655"/>
-            <a:ext cx="3554754" cy="1838408"/>
-          </a:xfrm>
-          <a:prstGeom prst="rect">
-            <a:avLst/>
-          </a:prstGeom>
-        </p:spPr>
-      </p:pic>
-      <p:pic>
-        <p:nvPicPr>
-          <p:cNvPr id="22" name="図 21"/>
-          <p:cNvPicPr>
-            <a:picLocks noChangeAspect="1"/>
-          </p:cNvPicPr>
-          <p:nvPr/>
-        </p:nvPicPr>
-        <p:blipFill>
-          <a:blip r:embed="rId6">
-            <a:extLst>
-              <a:ext uri="{28A0092B-C50C-407E-A947-70E740481C1C}">
-                <a14:useLocalDpi xmlns:a14="http://schemas.microsoft.com/office/drawing/2010/main" val="0"/>
-              </a:ext>
-            </a:extLst>
-          </a:blip>
-          <a:stretch>
-            <a:fillRect/>
-          </a:stretch>
-        </p:blipFill>
-        <p:spPr>
-          <a:xfrm>
-            <a:off x="17564161" y="17294243"/>
-            <a:ext cx="3552448" cy="1949232"/>
-          </a:xfrm>
-          <a:prstGeom prst="rect">
-            <a:avLst/>
-          </a:prstGeom>
-        </p:spPr>
-      </p:pic>
+        </p:grpSpPr>
+        <p:pic>
+          <p:nvPicPr>
+            <p:cNvPr id="13" name="図 12"/>
+            <p:cNvPicPr>
+              <a:picLocks noChangeAspect="1"/>
+            </p:cNvPicPr>
+            <p:nvPr/>
+          </p:nvPicPr>
+          <p:blipFill>
+            <a:blip r:embed="rId3">
+              <a:extLst>
+                <a:ext uri="{28A0092B-C50C-407E-A947-70E740481C1C}">
+                  <a14:useLocalDpi xmlns:a14="http://schemas.microsoft.com/office/drawing/2010/main" val="0"/>
+                </a:ext>
+              </a:extLst>
+            </a:blip>
+            <a:stretch>
+              <a:fillRect/>
+            </a:stretch>
+          </p:blipFill>
+          <p:spPr>
+            <a:xfrm>
+              <a:off x="13740494" y="15486341"/>
+              <a:ext cx="3554754" cy="1811379"/>
+            </a:xfrm>
+            <a:prstGeom prst="rect">
+              <a:avLst/>
+            </a:prstGeom>
+          </p:spPr>
+        </p:pic>
+        <p:sp>
+          <p:nvSpPr>
+            <p:cNvPr id="33" name="テキスト ボックス 32"/>
+            <p:cNvSpPr txBox="1"/>
+            <p:nvPr/>
+          </p:nvSpPr>
+          <p:spPr>
+            <a:xfrm>
+              <a:off x="13740494" y="13803661"/>
+              <a:ext cx="7938406" cy="1446550"/>
+            </a:xfrm>
+            <a:prstGeom prst="rect">
+              <a:avLst/>
+            </a:prstGeom>
+            <a:noFill/>
+          </p:spPr>
+          <p:txBody>
+            <a:bodyPr wrap="square" rtlCol="0">
+              <a:spAutoFit/>
+            </a:bodyPr>
+            <a:lstStyle/>
+            <a:p>
+              <a:r>
+                <a:rPr lang="en-US" altLang="ja-JP" sz="4400" b="1" dirty="0" smtClean="0"/>
+                <a:t>GitHub</a:t>
+              </a:r>
+              <a:r>
+                <a:rPr lang="ja-JP" altLang="en-US" sz="4400" b="1" dirty="0" smtClean="0"/>
+                <a:t>が様々なツール</a:t>
+              </a:r>
+              <a:r>
+                <a:rPr lang="ja-JP" altLang="en-US" sz="4400" b="1" dirty="0" smtClean="0"/>
+                <a:t>と</a:t>
+              </a:r>
+              <a:endParaRPr lang="en-US" altLang="ja-JP" sz="4400" b="1" dirty="0" smtClean="0"/>
+            </a:p>
+            <a:p>
+              <a:r>
+                <a:rPr lang="ja-JP" altLang="en-US" sz="4400" b="1" dirty="0" smtClean="0"/>
+                <a:t>連携できる．</a:t>
+              </a:r>
+              <a:endParaRPr kumimoji="1" lang="ja-JP" altLang="en-US" sz="4400" b="1" dirty="0"/>
+            </a:p>
+          </p:txBody>
+        </p:sp>
+        <p:pic>
+          <p:nvPicPr>
+            <p:cNvPr id="14" name="図 13"/>
+            <p:cNvPicPr>
+              <a:picLocks noChangeAspect="1"/>
+            </p:cNvPicPr>
+            <p:nvPr/>
+          </p:nvPicPr>
+          <p:blipFill>
+            <a:blip r:embed="rId4">
+              <a:extLst>
+                <a:ext uri="{28A0092B-C50C-407E-A947-70E740481C1C}">
+                  <a14:useLocalDpi xmlns:a14="http://schemas.microsoft.com/office/drawing/2010/main" val="0"/>
+                </a:ext>
+              </a:extLst>
+            </a:blip>
+            <a:stretch>
+              <a:fillRect/>
+            </a:stretch>
+          </p:blipFill>
+          <p:spPr>
+            <a:xfrm>
+              <a:off x="17564161" y="15459312"/>
+              <a:ext cx="3282597" cy="2020154"/>
+            </a:xfrm>
+            <a:prstGeom prst="rect">
+              <a:avLst/>
+            </a:prstGeom>
+          </p:spPr>
+        </p:pic>
+        <p:pic>
+          <p:nvPicPr>
+            <p:cNvPr id="21" name="図 20"/>
+            <p:cNvPicPr>
+              <a:picLocks noChangeAspect="1"/>
+            </p:cNvPicPr>
+            <p:nvPr/>
+          </p:nvPicPr>
+          <p:blipFill>
+            <a:blip r:embed="rId5" cstate="print">
+              <a:extLst>
+                <a:ext uri="{28A0092B-C50C-407E-A947-70E740481C1C}">
+                  <a14:useLocalDpi xmlns:a14="http://schemas.microsoft.com/office/drawing/2010/main" val="0"/>
+                </a:ext>
+              </a:extLst>
+            </a:blip>
+            <a:stretch>
+              <a:fillRect/>
+            </a:stretch>
+          </p:blipFill>
+          <p:spPr>
+            <a:xfrm>
+              <a:off x="13740494" y="18035433"/>
+              <a:ext cx="3554754" cy="1838408"/>
+            </a:xfrm>
+            <a:prstGeom prst="rect">
+              <a:avLst/>
+            </a:prstGeom>
+          </p:spPr>
+        </p:pic>
+        <p:pic>
+          <p:nvPicPr>
+            <p:cNvPr id="22" name="図 21"/>
+            <p:cNvPicPr>
+              <a:picLocks noChangeAspect="1"/>
+            </p:cNvPicPr>
+            <p:nvPr/>
+          </p:nvPicPr>
+          <p:blipFill>
+            <a:blip r:embed="rId6">
+              <a:extLst>
+                <a:ext uri="{28A0092B-C50C-407E-A947-70E740481C1C}">
+                  <a14:useLocalDpi xmlns:a14="http://schemas.microsoft.com/office/drawing/2010/main" val="0"/>
+                </a:ext>
+              </a:extLst>
+            </a:blip>
+            <a:stretch>
+              <a:fillRect/>
+            </a:stretch>
+          </p:blipFill>
+          <p:spPr>
+            <a:xfrm>
+              <a:off x="17564161" y="17980021"/>
+              <a:ext cx="3552448" cy="1949232"/>
+            </a:xfrm>
+            <a:prstGeom prst="rect">
+              <a:avLst/>
+            </a:prstGeom>
+          </p:spPr>
+        </p:pic>
+      </p:grpSp>
     </p:spTree>
     <p:extLst>
       <p:ext uri="{BB962C8B-B14F-4D97-AF65-F5344CB8AC3E}">

--- a/卒業論文/2015/石川大貴/中間審査/卒論論文＿中間審査ポスター.pptx
+++ b/卒業論文/2015/石川大貴/中間審査/卒論論文＿中間審査ポスター.pptx
@@ -5128,12 +5128,16 @@
                 <a:t>GitHub</a:t>
               </a:r>
               <a:r>
+                <a:rPr lang="ja-JP" altLang="en-US" sz="4400" b="1" dirty="0"/>
+                <a:t>は</a:t>
+              </a:r>
+              <a:r>
+                <a:rPr lang="ja-JP" altLang="en-US" sz="4400" b="1" smtClean="0"/>
+                <a:t>様々</a:t>
+              </a:r>
+              <a:r>
                 <a:rPr lang="ja-JP" altLang="en-US" sz="4400" b="1" dirty="0" smtClean="0"/>
-                <a:t>が様々なツール</a:t>
-              </a:r>
-              <a:r>
-                <a:rPr lang="ja-JP" altLang="en-US" sz="4400" b="1" dirty="0" smtClean="0"/>
-                <a:t>と</a:t>
+                <a:t>なツールと</a:t>
               </a:r>
               <a:endParaRPr lang="en-US" altLang="ja-JP" sz="4400" b="1" dirty="0" smtClean="0"/>
             </a:p>
